--- a/CM-Not-So-Chubby_E3.pptx
+++ b/CM-Not-So-Chubby_E3.pptx
@@ -1,9 +1,12 @@
 
 <file path=ppt/presentation.xml><?xml version="1.0" encoding="utf-8"?>
-<p:presentation xmlns:a="http://schemas.openxmlformats.org/drawingml/2006/main" xmlns:r="http://schemas.openxmlformats.org/officeDocument/2006/relationships" xmlns:p="http://schemas.openxmlformats.org/presentationml/2006/main" saveSubsetFonts="1">
+<p:presentation xmlns:a="http://schemas.openxmlformats.org/drawingml/2006/main" xmlns:r="http://schemas.openxmlformats.org/officeDocument/2006/relationships" xmlns:p="http://schemas.openxmlformats.org/presentationml/2006/main" showSpecialPlsOnTitleSld="0" saveSubsetFonts="1">
   <p:sldMasterIdLst>
     <p:sldMasterId id="2147483783" r:id="rId1"/>
   </p:sldMasterIdLst>
+  <p:notesMasterIdLst>
+    <p:notesMasterId r:id="rId20"/>
+  </p:notesMasterIdLst>
   <p:sldIdLst>
     <p:sldId id="256" r:id="rId2"/>
     <p:sldId id="257" r:id="rId3"/>
@@ -129,6 +132,355 @@
 </p:presentation>
 </file>
 
+<file path=ppt/notesMasters/notesMaster1.xml><?xml version="1.0" encoding="utf-8"?>
+<p:notesMaster xmlns:a="http://schemas.openxmlformats.org/drawingml/2006/main" xmlns:r="http://schemas.openxmlformats.org/officeDocument/2006/relationships" xmlns:p="http://schemas.openxmlformats.org/presentationml/2006/main">
+  <p:cSld>
+    <p:bg>
+      <p:bgRef idx="1001">
+        <a:schemeClr val="bg1"/>
+      </p:bgRef>
+    </p:bg>
+    <p:spTree>
+      <p:nvGrpSpPr>
+        <p:cNvPr id="1" name=""/>
+        <p:cNvGrpSpPr/>
+        <p:nvPr/>
+      </p:nvGrpSpPr>
+      <p:grpSpPr>
+        <a:xfrm>
+          <a:off x="0" y="0"/>
+          <a:ext cx="0" cy="0"/>
+          <a:chOff x="0" y="0"/>
+          <a:chExt cx="0" cy="0"/>
+        </a:xfrm>
+      </p:grpSpPr>
+      <p:sp>
+        <p:nvSpPr>
+          <p:cNvPr id="2" name="Marcador de Posição do Cabeçalho 1"/>
+          <p:cNvSpPr>
+            <a:spLocks noGrp="1"/>
+          </p:cNvSpPr>
+          <p:nvPr>
+            <p:ph type="hdr" sz="quarter"/>
+          </p:nvPr>
+        </p:nvSpPr>
+        <p:spPr>
+          <a:xfrm>
+            <a:off x="0" y="0"/>
+            <a:ext cx="2971800" cy="458788"/>
+          </a:xfrm>
+          <a:prstGeom prst="rect">
+            <a:avLst/>
+          </a:prstGeom>
+        </p:spPr>
+        <p:txBody>
+          <a:bodyPr vert="horz" lIns="91440" tIns="45720" rIns="91440" bIns="45720" rtlCol="0"/>
+          <a:lstStyle>
+            <a:lvl1pPr algn="l">
+              <a:defRPr sz="1200"/>
+            </a:lvl1pPr>
+          </a:lstStyle>
+          <a:p>
+            <a:endParaRPr lang="pt-PT"/>
+          </a:p>
+        </p:txBody>
+      </p:sp>
+      <p:sp>
+        <p:nvSpPr>
+          <p:cNvPr id="3" name="Marcador de Posição da Data 2"/>
+          <p:cNvSpPr>
+            <a:spLocks noGrp="1"/>
+          </p:cNvSpPr>
+          <p:nvPr>
+            <p:ph type="dt" idx="1"/>
+          </p:nvPr>
+        </p:nvSpPr>
+        <p:spPr>
+          <a:xfrm>
+            <a:off x="3884613" y="0"/>
+            <a:ext cx="2971800" cy="458788"/>
+          </a:xfrm>
+          <a:prstGeom prst="rect">
+            <a:avLst/>
+          </a:prstGeom>
+        </p:spPr>
+        <p:txBody>
+          <a:bodyPr vert="horz" lIns="91440" tIns="45720" rIns="91440" bIns="45720" rtlCol="0"/>
+          <a:lstStyle>
+            <a:lvl1pPr algn="r">
+              <a:defRPr sz="1200"/>
+            </a:lvl1pPr>
+          </a:lstStyle>
+          <a:p>
+            <a:fld id="{4B7C0DD9-7768-4FC3-8A5D-8A3DF83920D9}" type="datetimeFigureOut">
+              <a:rPr lang="pt-PT" smtClean="0"/>
+              <a:t>07/11/2018</a:t>
+            </a:fld>
+            <a:endParaRPr lang="pt-PT"/>
+          </a:p>
+        </p:txBody>
+      </p:sp>
+      <p:sp>
+        <p:nvSpPr>
+          <p:cNvPr id="4" name="Marcador de Posição da Imagem do Diapositivo 3"/>
+          <p:cNvSpPr>
+            <a:spLocks noGrp="1" noRot="1" noChangeAspect="1"/>
+          </p:cNvSpPr>
+          <p:nvPr>
+            <p:ph type="sldImg" idx="2"/>
+          </p:nvPr>
+        </p:nvSpPr>
+        <p:spPr>
+          <a:xfrm>
+            <a:off x="685800" y="1143000"/>
+            <a:ext cx="5486400" cy="3086100"/>
+          </a:xfrm>
+          <a:prstGeom prst="rect">
+            <a:avLst/>
+          </a:prstGeom>
+          <a:noFill/>
+          <a:ln w="12700">
+            <a:solidFill>
+              <a:prstClr val="black"/>
+            </a:solidFill>
+          </a:ln>
+        </p:spPr>
+        <p:txBody>
+          <a:bodyPr vert="horz" lIns="91440" tIns="45720" rIns="91440" bIns="45720" rtlCol="0" anchor="ctr"/>
+          <a:lstStyle/>
+          <a:p>
+            <a:endParaRPr lang="pt-PT"/>
+          </a:p>
+        </p:txBody>
+      </p:sp>
+      <p:sp>
+        <p:nvSpPr>
+          <p:cNvPr id="5" name="Marcador de Posição de Notas 4"/>
+          <p:cNvSpPr>
+            <a:spLocks noGrp="1"/>
+          </p:cNvSpPr>
+          <p:nvPr>
+            <p:ph type="body" sz="quarter" idx="3"/>
+          </p:nvPr>
+        </p:nvSpPr>
+        <p:spPr>
+          <a:xfrm>
+            <a:off x="685800" y="4400550"/>
+            <a:ext cx="5486400" cy="3600450"/>
+          </a:xfrm>
+          <a:prstGeom prst="rect">
+            <a:avLst/>
+          </a:prstGeom>
+        </p:spPr>
+        <p:txBody>
+          <a:bodyPr vert="horz" lIns="91440" tIns="45720" rIns="91440" bIns="45720" rtlCol="0"/>
+          <a:lstStyle/>
+          <a:p>
+            <a:pPr lvl="0"/>
+            <a:r>
+              <a:rPr lang="pt-PT"/>
+              <a:t>Editar os estilos de texto do Modelo Global</a:t>
+            </a:r>
+          </a:p>
+          <a:p>
+            <a:pPr lvl="1"/>
+            <a:r>
+              <a:rPr lang="pt-PT"/>
+              <a:t>Segundo nível</a:t>
+            </a:r>
+          </a:p>
+          <a:p>
+            <a:pPr lvl="2"/>
+            <a:r>
+              <a:rPr lang="pt-PT"/>
+              <a:t>Terceiro nível</a:t>
+            </a:r>
+          </a:p>
+          <a:p>
+            <a:pPr lvl="3"/>
+            <a:r>
+              <a:rPr lang="pt-PT"/>
+              <a:t>Quarto nível</a:t>
+            </a:r>
+          </a:p>
+          <a:p>
+            <a:pPr lvl="4"/>
+            <a:r>
+              <a:rPr lang="pt-PT"/>
+              <a:t>Quinto nível</a:t>
+            </a:r>
+          </a:p>
+        </p:txBody>
+      </p:sp>
+      <p:sp>
+        <p:nvSpPr>
+          <p:cNvPr id="6" name="Marcador de Posição do Rodapé 5"/>
+          <p:cNvSpPr>
+            <a:spLocks noGrp="1"/>
+          </p:cNvSpPr>
+          <p:nvPr>
+            <p:ph type="ftr" sz="quarter" idx="4"/>
+          </p:nvPr>
+        </p:nvSpPr>
+        <p:spPr>
+          <a:xfrm>
+            <a:off x="0" y="8685213"/>
+            <a:ext cx="2971800" cy="458787"/>
+          </a:xfrm>
+          <a:prstGeom prst="rect">
+            <a:avLst/>
+          </a:prstGeom>
+        </p:spPr>
+        <p:txBody>
+          <a:bodyPr vert="horz" lIns="91440" tIns="45720" rIns="91440" bIns="45720" rtlCol="0" anchor="b"/>
+          <a:lstStyle>
+            <a:lvl1pPr algn="l">
+              <a:defRPr sz="1200"/>
+            </a:lvl1pPr>
+          </a:lstStyle>
+          <a:p>
+            <a:endParaRPr lang="pt-PT"/>
+          </a:p>
+        </p:txBody>
+      </p:sp>
+      <p:sp>
+        <p:nvSpPr>
+          <p:cNvPr id="7" name="Marcador de Posição do Número do Diapositivo 6"/>
+          <p:cNvSpPr>
+            <a:spLocks noGrp="1"/>
+          </p:cNvSpPr>
+          <p:nvPr>
+            <p:ph type="sldNum" sz="quarter" idx="5"/>
+          </p:nvPr>
+        </p:nvSpPr>
+        <p:spPr>
+          <a:xfrm>
+            <a:off x="3884613" y="8685213"/>
+            <a:ext cx="2971800" cy="458787"/>
+          </a:xfrm>
+          <a:prstGeom prst="rect">
+            <a:avLst/>
+          </a:prstGeom>
+        </p:spPr>
+        <p:txBody>
+          <a:bodyPr vert="horz" lIns="91440" tIns="45720" rIns="91440" bIns="45720" rtlCol="0" anchor="b"/>
+          <a:lstStyle>
+            <a:lvl1pPr algn="r">
+              <a:defRPr sz="1200"/>
+            </a:lvl1pPr>
+          </a:lstStyle>
+          <a:p>
+            <a:fld id="{BDAD3421-0C4D-4BD9-9BEB-818A44250BD6}" type="slidenum">
+              <a:rPr lang="pt-PT" smtClean="0"/>
+              <a:t>‹nº›</a:t>
+            </a:fld>
+            <a:endParaRPr lang="pt-PT"/>
+          </a:p>
+        </p:txBody>
+      </p:sp>
+    </p:spTree>
+    <p:extLst>
+      <p:ext uri="{BB962C8B-B14F-4D97-AF65-F5344CB8AC3E}">
+        <p14:creationId xmlns:p14="http://schemas.microsoft.com/office/powerpoint/2010/main" val="3035122024"/>
+      </p:ext>
+    </p:extLst>
+  </p:cSld>
+  <p:clrMap bg1="lt1" tx1="dk1" bg2="lt2" tx2="dk2" accent1="accent1" accent2="accent2" accent3="accent3" accent4="accent4" accent5="accent5" accent6="accent6" hlink="hlink" folHlink="folHlink"/>
+  <p:notesStyle>
+    <a:lvl1pPr marL="0" algn="l" defTabSz="914400" rtl="0" eaLnBrk="1" latinLnBrk="0" hangingPunct="1">
+      <a:defRPr sz="1200" kern="1200">
+        <a:solidFill>
+          <a:schemeClr val="tx1"/>
+        </a:solidFill>
+        <a:latin typeface="+mn-lt"/>
+        <a:ea typeface="+mn-ea"/>
+        <a:cs typeface="+mn-cs"/>
+      </a:defRPr>
+    </a:lvl1pPr>
+    <a:lvl2pPr marL="457200" algn="l" defTabSz="914400" rtl="0" eaLnBrk="1" latinLnBrk="0" hangingPunct="1">
+      <a:defRPr sz="1200" kern="1200">
+        <a:solidFill>
+          <a:schemeClr val="tx1"/>
+        </a:solidFill>
+        <a:latin typeface="+mn-lt"/>
+        <a:ea typeface="+mn-ea"/>
+        <a:cs typeface="+mn-cs"/>
+      </a:defRPr>
+    </a:lvl2pPr>
+    <a:lvl3pPr marL="914400" algn="l" defTabSz="914400" rtl="0" eaLnBrk="1" latinLnBrk="0" hangingPunct="1">
+      <a:defRPr sz="1200" kern="1200">
+        <a:solidFill>
+          <a:schemeClr val="tx1"/>
+        </a:solidFill>
+        <a:latin typeface="+mn-lt"/>
+        <a:ea typeface="+mn-ea"/>
+        <a:cs typeface="+mn-cs"/>
+      </a:defRPr>
+    </a:lvl3pPr>
+    <a:lvl4pPr marL="1371600" algn="l" defTabSz="914400" rtl="0" eaLnBrk="1" latinLnBrk="0" hangingPunct="1">
+      <a:defRPr sz="1200" kern="1200">
+        <a:solidFill>
+          <a:schemeClr val="tx1"/>
+        </a:solidFill>
+        <a:latin typeface="+mn-lt"/>
+        <a:ea typeface="+mn-ea"/>
+        <a:cs typeface="+mn-cs"/>
+      </a:defRPr>
+    </a:lvl4pPr>
+    <a:lvl5pPr marL="1828800" algn="l" defTabSz="914400" rtl="0" eaLnBrk="1" latinLnBrk="0" hangingPunct="1">
+      <a:defRPr sz="1200" kern="1200">
+        <a:solidFill>
+          <a:schemeClr val="tx1"/>
+        </a:solidFill>
+        <a:latin typeface="+mn-lt"/>
+        <a:ea typeface="+mn-ea"/>
+        <a:cs typeface="+mn-cs"/>
+      </a:defRPr>
+    </a:lvl5pPr>
+    <a:lvl6pPr marL="2286000" algn="l" defTabSz="914400" rtl="0" eaLnBrk="1" latinLnBrk="0" hangingPunct="1">
+      <a:defRPr sz="1200" kern="1200">
+        <a:solidFill>
+          <a:schemeClr val="tx1"/>
+        </a:solidFill>
+        <a:latin typeface="+mn-lt"/>
+        <a:ea typeface="+mn-ea"/>
+        <a:cs typeface="+mn-cs"/>
+      </a:defRPr>
+    </a:lvl6pPr>
+    <a:lvl7pPr marL="2743200" algn="l" defTabSz="914400" rtl="0" eaLnBrk="1" latinLnBrk="0" hangingPunct="1">
+      <a:defRPr sz="1200" kern="1200">
+        <a:solidFill>
+          <a:schemeClr val="tx1"/>
+        </a:solidFill>
+        <a:latin typeface="+mn-lt"/>
+        <a:ea typeface="+mn-ea"/>
+        <a:cs typeface="+mn-cs"/>
+      </a:defRPr>
+    </a:lvl7pPr>
+    <a:lvl8pPr marL="3200400" algn="l" defTabSz="914400" rtl="0" eaLnBrk="1" latinLnBrk="0" hangingPunct="1">
+      <a:defRPr sz="1200" kern="1200">
+        <a:solidFill>
+          <a:schemeClr val="tx1"/>
+        </a:solidFill>
+        <a:latin typeface="+mn-lt"/>
+        <a:ea typeface="+mn-ea"/>
+        <a:cs typeface="+mn-cs"/>
+      </a:defRPr>
+    </a:lvl8pPr>
+    <a:lvl9pPr marL="3657600" algn="l" defTabSz="914400" rtl="0" eaLnBrk="1" latinLnBrk="0" hangingPunct="1">
+      <a:defRPr sz="1200" kern="1200">
+        <a:solidFill>
+          <a:schemeClr val="tx1"/>
+        </a:solidFill>
+        <a:latin typeface="+mn-lt"/>
+        <a:ea typeface="+mn-ea"/>
+        <a:cs typeface="+mn-cs"/>
+      </a:defRPr>
+    </a:lvl9pPr>
+  </p:notesStyle>
+</p:notesMaster>
+</file>
+
 <file path=ppt/slideLayouts/slideLayout1.xml><?xml version="1.0" encoding="utf-8"?>
 <p:sldLayout xmlns:a="http://schemas.openxmlformats.org/drawingml/2006/main" xmlns:r="http://schemas.openxmlformats.org/officeDocument/2006/relationships" xmlns:p="http://schemas.openxmlformats.org/presentationml/2006/main" showMasterSp="0" type="title" preserve="1">
   <p:cSld name="Diapositivo de Título">
@@ -353,9 +705,9 @@
           <a:bodyPr/>
           <a:lstStyle/>
           <a:p>
-            <a:fld id="{A27401E7-2EF3-472C-BDBC-2F26F11AE8E8}" type="datetimeFigureOut">
+            <a:fld id="{B4023106-009E-4BF1-AEFC-40439465265E}" type="datetime1">
               <a:rPr lang="pt-PT" smtClean="0"/>
-              <a:t>29/10/2018</a:t>
+              <a:t>07/11/2018</a:t>
             </a:fld>
             <a:endParaRPr lang="pt-PT"/>
           </a:p>
@@ -561,9 +913,9 @@
           <a:bodyPr/>
           <a:lstStyle/>
           <a:p>
-            <a:fld id="{A27401E7-2EF3-472C-BDBC-2F26F11AE8E8}" type="datetimeFigureOut">
+            <a:fld id="{E0B8B767-E922-4FA7-9EF0-BA15D8CF5003}" type="datetime1">
               <a:rPr lang="pt-PT" smtClean="0"/>
-              <a:t>29/10/2018</a:t>
+              <a:t>07/11/2018</a:t>
             </a:fld>
             <a:endParaRPr lang="pt-PT"/>
           </a:p>
@@ -817,9 +1169,9 @@
           <a:bodyPr/>
           <a:lstStyle/>
           <a:p>
-            <a:fld id="{A27401E7-2EF3-472C-BDBC-2F26F11AE8E8}" type="datetimeFigureOut">
+            <a:fld id="{FDF46F00-1FBA-4C12-B135-B1EFE9545316}" type="datetime1">
               <a:rPr lang="pt-PT" smtClean="0"/>
-              <a:t>29/10/2018</a:t>
+              <a:t>07/11/2018</a:t>
             </a:fld>
             <a:endParaRPr lang="pt-PT"/>
           </a:p>
@@ -991,9 +1343,9 @@
           <a:bodyPr/>
           <a:lstStyle/>
           <a:p>
-            <a:fld id="{A27401E7-2EF3-472C-BDBC-2F26F11AE8E8}" type="datetimeFigureOut">
+            <a:fld id="{6A03F943-ABF6-45DB-9EA8-625C53D50321}" type="datetime1">
               <a:rPr lang="pt-PT" smtClean="0"/>
-              <a:t>29/10/2018</a:t>
+              <a:t>07/11/2018</a:t>
             </a:fld>
             <a:endParaRPr lang="pt-PT"/>
           </a:p>
@@ -1334,9 +1686,9 @@
           <a:bodyPr/>
           <a:lstStyle/>
           <a:p>
-            <a:fld id="{A27401E7-2EF3-472C-BDBC-2F26F11AE8E8}" type="datetimeFigureOut">
+            <a:fld id="{6B41885D-602F-4593-8A1A-ABB2A72C3C39}" type="datetime1">
               <a:rPr lang="pt-PT" smtClean="0"/>
-              <a:t>29/10/2018</a:t>
+              <a:t>07/11/2018</a:t>
             </a:fld>
             <a:endParaRPr lang="pt-PT"/>
           </a:p>
@@ -1609,9 +1961,9 @@
           <a:bodyPr/>
           <a:lstStyle/>
           <a:p>
-            <a:fld id="{A27401E7-2EF3-472C-BDBC-2F26F11AE8E8}" type="datetimeFigureOut">
+            <a:fld id="{2B702292-A43A-42B1-84CD-98C93E1C08FC}" type="datetime1">
               <a:rPr lang="pt-PT" smtClean="0"/>
-              <a:t>29/10/2018</a:t>
+              <a:t>07/11/2018</a:t>
             </a:fld>
             <a:endParaRPr lang="pt-PT"/>
           </a:p>
@@ -1988,9 +2340,9 @@
           <a:bodyPr/>
           <a:lstStyle/>
           <a:p>
-            <a:fld id="{A27401E7-2EF3-472C-BDBC-2F26F11AE8E8}" type="datetimeFigureOut">
+            <a:fld id="{D5403447-B219-4623-9BDC-AFDF58EE70B0}" type="datetime1">
               <a:rPr lang="pt-PT" smtClean="0"/>
-              <a:t>29/10/2018</a:t>
+              <a:t>07/11/2018</a:t>
             </a:fld>
             <a:endParaRPr lang="pt-PT"/>
           </a:p>
@@ -2106,9 +2458,9 @@
           <a:bodyPr/>
           <a:lstStyle/>
           <a:p>
-            <a:fld id="{A27401E7-2EF3-472C-BDBC-2F26F11AE8E8}" type="datetimeFigureOut">
+            <a:fld id="{D34EFA6D-8A2B-4970-8226-868BBC69A784}" type="datetime1">
               <a:rPr lang="pt-PT" smtClean="0"/>
-              <a:t>29/10/2018</a:t>
+              <a:t>07/11/2018</a:t>
             </a:fld>
             <a:endParaRPr lang="pt-PT"/>
           </a:p>
@@ -2277,9 +2629,9 @@
           <a:bodyPr/>
           <a:lstStyle/>
           <a:p>
-            <a:fld id="{A27401E7-2EF3-472C-BDBC-2F26F11AE8E8}" type="datetimeFigureOut">
+            <a:fld id="{5F06FF4B-0B6F-4D08-9BB4-E07A42FA1657}" type="datetime1">
               <a:rPr lang="pt-PT" smtClean="0"/>
-              <a:t>29/10/2018</a:t>
+              <a:t>07/11/2018</a:t>
             </a:fld>
             <a:endParaRPr lang="pt-PT"/>
           </a:p>
@@ -2631,9 +2983,9 @@
             </a:lvl1pPr>
           </a:lstStyle>
           <a:p>
-            <a:fld id="{A27401E7-2EF3-472C-BDBC-2F26F11AE8E8}" type="datetimeFigureOut">
+            <a:fld id="{62080D0D-ECFB-40EC-9FF5-6D1D4104B8B6}" type="datetime1">
               <a:rPr lang="pt-PT" smtClean="0"/>
-              <a:t>29/10/2018</a:t>
+              <a:t>07/11/2018</a:t>
             </a:fld>
             <a:endParaRPr lang="pt-PT"/>
           </a:p>
@@ -3013,9 +3365,9 @@
           <a:bodyPr/>
           <a:lstStyle/>
           <a:p>
-            <a:fld id="{A27401E7-2EF3-472C-BDBC-2F26F11AE8E8}" type="datetimeFigureOut">
+            <a:fld id="{6B96FD9B-8382-4782-A6B3-78E381582924}" type="datetime1">
               <a:rPr lang="pt-PT" smtClean="0"/>
-              <a:t>29/10/2018</a:t>
+              <a:t>07/11/2018</a:t>
             </a:fld>
             <a:endParaRPr lang="pt-PT"/>
           </a:p>
@@ -3300,9 +3652,9 @@
             </a:lvl1pPr>
           </a:lstStyle>
           <a:p>
-            <a:fld id="{A27401E7-2EF3-472C-BDBC-2F26F11AE8E8}" type="datetimeFigureOut">
+            <a:fld id="{207B0BBD-0865-4AF6-86ED-862032679CDF}" type="datetime1">
               <a:rPr lang="pt-PT" smtClean="0"/>
-              <a:t>29/10/2018</a:t>
+              <a:t>07/11/2018</a:t>
             </a:fld>
             <a:endParaRPr lang="pt-PT"/>
           </a:p>
@@ -3441,6 +3793,7 @@
     <p:sldLayoutId id="2147483793" r:id="rId10"/>
     <p:sldLayoutId id="2147483794" r:id="rId11"/>
   </p:sldLayoutIdLst>
+  <p:hf hdr="0" ftr="0" dt="0"/>
   <p:txStyles>
     <p:titleStyle>
       <a:lvl1pPr algn="l" defTabSz="914400" rtl="0" eaLnBrk="1" latinLnBrk="0" hangingPunct="1">
@@ -3861,7 +4214,7 @@
           <p:cNvPr id="4" name="Título 1">
             <a:extLst>
               <a:ext uri="{FF2B5EF4-FFF2-40B4-BE49-F238E27FC236}">
-                <a16:creationId xmlns:a16="http://schemas.microsoft.com/office/drawing/2014/main" xmlns="" id="{2E92CA18-BEA2-42A8-BF06-733FE0E51EC9}"/>
+                <a16:creationId xmlns:a16="http://schemas.microsoft.com/office/drawing/2014/main" id="{2E92CA18-BEA2-42A8-BF06-733FE0E51EC9}"/>
               </a:ext>
             </a:extLst>
           </p:cNvPr>
@@ -4005,7 +4358,7 @@
           <p:cNvPr id="5" name="Imagem 4">
             <a:extLst>
               <a:ext uri="{FF2B5EF4-FFF2-40B4-BE49-F238E27FC236}">
-                <a16:creationId xmlns:a16="http://schemas.microsoft.com/office/drawing/2014/main" xmlns="" id="{0515B1C4-4871-4BFD-849C-E11A66AFF7FB}"/>
+                <a16:creationId xmlns:a16="http://schemas.microsoft.com/office/drawing/2014/main" id="{0515B1C4-4871-4BFD-849C-E11A66AFF7FB}"/>
               </a:ext>
             </a:extLst>
           </p:cNvPr>
@@ -4041,7 +4394,7 @@
           <p:cNvPr id="7" name="Título 1">
             <a:extLst>
               <a:ext uri="{FF2B5EF4-FFF2-40B4-BE49-F238E27FC236}">
-                <a16:creationId xmlns:a16="http://schemas.microsoft.com/office/drawing/2014/main" xmlns="" id="{367E4223-487E-4C19-AE8A-D00D63C79827}"/>
+                <a16:creationId xmlns:a16="http://schemas.microsoft.com/office/drawing/2014/main" id="{367E4223-487E-4C19-AE8A-D00D63C79827}"/>
               </a:ext>
             </a:extLst>
           </p:cNvPr>
@@ -4066,138 +4419,6 @@
               </a:schemeClr>
             </a:glow>
           </a:effectLst>
-        </p:spPr>
-        <p:txBody>
-          <a:bodyPr vert="horz" lIns="91440" tIns="45720" rIns="91440" bIns="45720" rtlCol="0" anchor="b">
-            <a:normAutofit fontScale="92500" lnSpcReduction="10000"/>
-          </a:bodyPr>
-          <a:lstStyle>
-            <a:lvl1pPr algn="r" defTabSz="457200" rtl="0" eaLnBrk="1" latinLnBrk="0" hangingPunct="1">
-              <a:spcBef>
-                <a:spcPct val="0"/>
-              </a:spcBef>
-              <a:buNone/>
-              <a:defRPr sz="6000" kern="1200" cap="none">
-                <a:ln w="3175" cmpd="sng">
-                  <a:noFill/>
-                </a:ln>
-                <a:solidFill>
-                  <a:schemeClr val="tx1"/>
-                </a:solidFill>
-                <a:effectLst/>
-                <a:latin typeface="+mj-lt"/>
-                <a:ea typeface="+mj-ea"/>
-                <a:cs typeface="+mj-cs"/>
-              </a:defRPr>
-            </a:lvl1pPr>
-            <a:lvl2pPr eaLnBrk="1" hangingPunct="1">
-              <a:defRPr>
-                <a:solidFill>
-                  <a:schemeClr val="tx2"/>
-                </a:solidFill>
-              </a:defRPr>
-            </a:lvl2pPr>
-            <a:lvl3pPr eaLnBrk="1" hangingPunct="1">
-              <a:defRPr>
-                <a:solidFill>
-                  <a:schemeClr val="tx2"/>
-                </a:solidFill>
-              </a:defRPr>
-            </a:lvl3pPr>
-            <a:lvl4pPr eaLnBrk="1" hangingPunct="1">
-              <a:defRPr>
-                <a:solidFill>
-                  <a:schemeClr val="tx2"/>
-                </a:solidFill>
-              </a:defRPr>
-            </a:lvl4pPr>
-            <a:lvl5pPr eaLnBrk="1" hangingPunct="1">
-              <a:defRPr>
-                <a:solidFill>
-                  <a:schemeClr val="tx2"/>
-                </a:solidFill>
-              </a:defRPr>
-            </a:lvl5pPr>
-            <a:lvl6pPr eaLnBrk="1" hangingPunct="1">
-              <a:defRPr>
-                <a:solidFill>
-                  <a:schemeClr val="tx2"/>
-                </a:solidFill>
-              </a:defRPr>
-            </a:lvl6pPr>
-            <a:lvl7pPr eaLnBrk="1" hangingPunct="1">
-              <a:defRPr>
-                <a:solidFill>
-                  <a:schemeClr val="tx2"/>
-                </a:solidFill>
-              </a:defRPr>
-            </a:lvl7pPr>
-            <a:lvl8pPr eaLnBrk="1" hangingPunct="1">
-              <a:defRPr>
-                <a:solidFill>
-                  <a:schemeClr val="tx2"/>
-                </a:solidFill>
-              </a:defRPr>
-            </a:lvl8pPr>
-            <a:lvl9pPr eaLnBrk="1" hangingPunct="1">
-              <a:defRPr>
-                <a:solidFill>
-                  <a:schemeClr val="tx2"/>
-                </a:solidFill>
-              </a:defRPr>
-            </a:lvl9pPr>
-          </a:lstStyle>
-          <a:p>
-            <a:pPr algn="ctr">
-              <a:lnSpc>
-                <a:spcPct val="150000"/>
-              </a:lnSpc>
-            </a:pPr>
-            <a:r>
-              <a:rPr lang="pt-PT" sz="2800" b="1" dirty="0">
-                <a:ln w="0"/>
-                <a:solidFill>
-                  <a:schemeClr val="accent1"/>
-                </a:solidFill>
-                <a:effectLst>
-                  <a:outerShdw blurRad="38100" dist="25400" dir="5400000" algn="ctr" rotWithShape="0">
-                    <a:srgbClr val="6E747A">
-                      <a:alpha val="43000"/>
-                    </a:srgbClr>
-                  </a:outerShdw>
-                </a:effectLst>
-                <a:latin typeface="+mn-lt"/>
-                <a:ea typeface="Verdana" panose="020B0604030504040204" pitchFamily="34" charset="0"/>
-                <a:cs typeface="Verdana" panose="020B0604030504040204" pitchFamily="34" charset="0"/>
-              </a:rPr>
-              <a:t>Escola Superior de Tecnologia de Setúbal </a:t>
-            </a:r>
-          </a:p>
-        </p:txBody>
-      </p:sp>
-      <p:sp>
-        <p:nvSpPr>
-          <p:cNvPr id="8" name="Título 1">
-            <a:extLst>
-              <a:ext uri="{FF2B5EF4-FFF2-40B4-BE49-F238E27FC236}">
-                <a16:creationId xmlns:a16="http://schemas.microsoft.com/office/drawing/2014/main" xmlns="" id="{1F3C49D8-D99A-4871-A338-9E98640FE187}"/>
-              </a:ext>
-            </a:extLst>
-          </p:cNvPr>
-          <p:cNvSpPr txBox="1">
-            <a:spLocks/>
-          </p:cNvSpPr>
-          <p:nvPr/>
-        </p:nvSpPr>
-        <p:spPr>
-          <a:xfrm>
-            <a:off x="1624014" y="2369502"/>
-            <a:ext cx="7953372" cy="483056"/>
-          </a:xfrm>
-          <a:prstGeom prst="rect">
-            <a:avLst/>
-          </a:prstGeom>
-          <a:effectLst/>
         </p:spPr>
         <p:txBody>
           <a:bodyPr vert="horz" lIns="91440" tIns="45720" rIns="91440" bIns="45720" rtlCol="0" anchor="b">
@@ -4286,6 +4507,138 @@
               </a:lnSpc>
             </a:pPr>
             <a:r>
+              <a:rPr lang="pt-PT" sz="2800" b="1" dirty="0">
+                <a:ln w="0"/>
+                <a:solidFill>
+                  <a:schemeClr val="accent1"/>
+                </a:solidFill>
+                <a:effectLst>
+                  <a:outerShdw blurRad="38100" dist="25400" dir="5400000" algn="ctr" rotWithShape="0">
+                    <a:srgbClr val="6E747A">
+                      <a:alpha val="43000"/>
+                    </a:srgbClr>
+                  </a:outerShdw>
+                </a:effectLst>
+                <a:latin typeface="+mn-lt"/>
+                <a:ea typeface="Verdana" panose="020B0604030504040204" pitchFamily="34" charset="0"/>
+                <a:cs typeface="Verdana" panose="020B0604030504040204" pitchFamily="34" charset="0"/>
+              </a:rPr>
+              <a:t>Escola Superior de Tecnologia de Setúbal </a:t>
+            </a:r>
+          </a:p>
+        </p:txBody>
+      </p:sp>
+      <p:sp>
+        <p:nvSpPr>
+          <p:cNvPr id="8" name="Título 1">
+            <a:extLst>
+              <a:ext uri="{FF2B5EF4-FFF2-40B4-BE49-F238E27FC236}">
+                <a16:creationId xmlns:a16="http://schemas.microsoft.com/office/drawing/2014/main" id="{1F3C49D8-D99A-4871-A338-9E98640FE187}"/>
+              </a:ext>
+            </a:extLst>
+          </p:cNvPr>
+          <p:cNvSpPr txBox="1">
+            <a:spLocks/>
+          </p:cNvSpPr>
+          <p:nvPr/>
+        </p:nvSpPr>
+        <p:spPr>
+          <a:xfrm>
+            <a:off x="1624014" y="2369502"/>
+            <a:ext cx="7953372" cy="483056"/>
+          </a:xfrm>
+          <a:prstGeom prst="rect">
+            <a:avLst/>
+          </a:prstGeom>
+          <a:effectLst/>
+        </p:spPr>
+        <p:txBody>
+          <a:bodyPr vert="horz" lIns="91440" tIns="45720" rIns="91440" bIns="45720" rtlCol="0" anchor="b">
+            <a:normAutofit/>
+          </a:bodyPr>
+          <a:lstStyle>
+            <a:lvl1pPr algn="r" defTabSz="457200" rtl="0" eaLnBrk="1" latinLnBrk="0" hangingPunct="1">
+              <a:spcBef>
+                <a:spcPct val="0"/>
+              </a:spcBef>
+              <a:buNone/>
+              <a:defRPr sz="6000" kern="1200" cap="none">
+                <a:ln w="3175" cmpd="sng">
+                  <a:noFill/>
+                </a:ln>
+                <a:solidFill>
+                  <a:schemeClr val="tx1"/>
+                </a:solidFill>
+                <a:effectLst/>
+                <a:latin typeface="+mj-lt"/>
+                <a:ea typeface="+mj-ea"/>
+                <a:cs typeface="+mj-cs"/>
+              </a:defRPr>
+            </a:lvl1pPr>
+            <a:lvl2pPr eaLnBrk="1" hangingPunct="1">
+              <a:defRPr>
+                <a:solidFill>
+                  <a:schemeClr val="tx2"/>
+                </a:solidFill>
+              </a:defRPr>
+            </a:lvl2pPr>
+            <a:lvl3pPr eaLnBrk="1" hangingPunct="1">
+              <a:defRPr>
+                <a:solidFill>
+                  <a:schemeClr val="tx2"/>
+                </a:solidFill>
+              </a:defRPr>
+            </a:lvl3pPr>
+            <a:lvl4pPr eaLnBrk="1" hangingPunct="1">
+              <a:defRPr>
+                <a:solidFill>
+                  <a:schemeClr val="tx2"/>
+                </a:solidFill>
+              </a:defRPr>
+            </a:lvl4pPr>
+            <a:lvl5pPr eaLnBrk="1" hangingPunct="1">
+              <a:defRPr>
+                <a:solidFill>
+                  <a:schemeClr val="tx2"/>
+                </a:solidFill>
+              </a:defRPr>
+            </a:lvl5pPr>
+            <a:lvl6pPr eaLnBrk="1" hangingPunct="1">
+              <a:defRPr>
+                <a:solidFill>
+                  <a:schemeClr val="tx2"/>
+                </a:solidFill>
+              </a:defRPr>
+            </a:lvl6pPr>
+            <a:lvl7pPr eaLnBrk="1" hangingPunct="1">
+              <a:defRPr>
+                <a:solidFill>
+                  <a:schemeClr val="tx2"/>
+                </a:solidFill>
+              </a:defRPr>
+            </a:lvl7pPr>
+            <a:lvl8pPr eaLnBrk="1" hangingPunct="1">
+              <a:defRPr>
+                <a:solidFill>
+                  <a:schemeClr val="tx2"/>
+                </a:solidFill>
+              </a:defRPr>
+            </a:lvl8pPr>
+            <a:lvl9pPr eaLnBrk="1" hangingPunct="1">
+              <a:defRPr>
+                <a:solidFill>
+                  <a:schemeClr val="tx2"/>
+                </a:solidFill>
+              </a:defRPr>
+            </a:lvl9pPr>
+          </a:lstStyle>
+          <a:p>
+            <a:pPr algn="ctr">
+              <a:lnSpc>
+                <a:spcPct val="150000"/>
+              </a:lnSpc>
+            </a:pPr>
+            <a:r>
               <a:rPr lang="pt-PT" sz="1800" dirty="0">
                 <a:solidFill>
                   <a:schemeClr val="tx1">
@@ -4307,7 +4660,7 @@
           <p:cNvPr id="9" name="Retângulo 8">
             <a:extLst>
               <a:ext uri="{FF2B5EF4-FFF2-40B4-BE49-F238E27FC236}">
-                <a16:creationId xmlns:a16="http://schemas.microsoft.com/office/drawing/2014/main" xmlns="" id="{A01D402D-A333-4979-9567-BF367E7FE42E}"/>
+                <a16:creationId xmlns:a16="http://schemas.microsoft.com/office/drawing/2014/main" id="{A01D402D-A333-4979-9567-BF367E7FE42E}"/>
               </a:ext>
             </a:extLst>
           </p:cNvPr>
@@ -4373,7 +4726,7 @@
           <p:cNvPr id="2" name="Agrupar 1">
             <a:extLst>
               <a:ext uri="{FF2B5EF4-FFF2-40B4-BE49-F238E27FC236}">
-                <a16:creationId xmlns:a16="http://schemas.microsoft.com/office/drawing/2014/main" xmlns="" id="{75CA9B36-EC32-4D6C-8130-899EF6D5BE6A}"/>
+                <a16:creationId xmlns:a16="http://schemas.microsoft.com/office/drawing/2014/main" id="{75CA9B36-EC32-4D6C-8130-899EF6D5BE6A}"/>
               </a:ext>
             </a:extLst>
           </p:cNvPr>
@@ -4393,7 +4746,7 @@
             <p:cNvPr id="6" name="CaixaDeTexto 5">
               <a:extLst>
                 <a:ext uri="{FF2B5EF4-FFF2-40B4-BE49-F238E27FC236}">
-                  <a16:creationId xmlns:a16="http://schemas.microsoft.com/office/drawing/2014/main" xmlns="" id="{C3B8F5E7-E673-44AD-94D6-E5EE6145684C}"/>
+                  <a16:creationId xmlns:a16="http://schemas.microsoft.com/office/drawing/2014/main" id="{C3B8F5E7-E673-44AD-94D6-E5EE6145684C}"/>
                 </a:ext>
               </a:extLst>
             </p:cNvPr>
@@ -4566,7 +4919,7 @@
             <p:cNvPr id="10" name="CaixaDeTexto 9">
               <a:extLst>
                 <a:ext uri="{FF2B5EF4-FFF2-40B4-BE49-F238E27FC236}">
-                  <a16:creationId xmlns:a16="http://schemas.microsoft.com/office/drawing/2014/main" xmlns="" id="{71ED8718-4273-4193-AE9C-4328CE8D2A31}"/>
+                  <a16:creationId xmlns:a16="http://schemas.microsoft.com/office/drawing/2014/main" id="{71ED8718-4273-4193-AE9C-4328CE8D2A31}"/>
                 </a:ext>
               </a:extLst>
             </p:cNvPr>
@@ -4716,10 +5069,100 @@
       </p:grpSpPr>
       <p:sp>
         <p:nvSpPr>
+          <p:cNvPr id="7" name="Retângulo 6">
+            <a:extLst>
+              <a:ext uri="{FF2B5EF4-FFF2-40B4-BE49-F238E27FC236}">
+                <a16:creationId xmlns:a16="http://schemas.microsoft.com/office/drawing/2014/main" id="{A98AA55A-8921-48B1-82A8-D0D1AD8D9E78}"/>
+              </a:ext>
+            </a:extLst>
+          </p:cNvPr>
+          <p:cNvSpPr/>
+          <p:nvPr/>
+        </p:nvSpPr>
+        <p:spPr>
+          <a:xfrm>
+            <a:off x="1168400" y="1524000"/>
+            <a:ext cx="10097477" cy="450850"/>
+          </a:xfrm>
+          <a:prstGeom prst="rect">
+            <a:avLst/>
+          </a:prstGeom>
+          <a:solidFill>
+            <a:schemeClr val="bg1"/>
+          </a:solidFill>
+          <a:ln>
+            <a:solidFill>
+              <a:schemeClr val="bg1"/>
+            </a:solidFill>
+          </a:ln>
+        </p:spPr>
+        <p:style>
+          <a:lnRef idx="2">
+            <a:schemeClr val="accent1">
+              <a:shade val="50000"/>
+            </a:schemeClr>
+          </a:lnRef>
+          <a:fillRef idx="1">
+            <a:schemeClr val="accent1"/>
+          </a:fillRef>
+          <a:effectRef idx="0">
+            <a:schemeClr val="accent1"/>
+          </a:effectRef>
+          <a:fontRef idx="minor">
+            <a:schemeClr val="lt1"/>
+          </a:fontRef>
+        </p:style>
+        <p:txBody>
+          <a:bodyPr rtlCol="0" anchor="ctr"/>
+          <a:lstStyle/>
+          <a:p>
+            <a:pPr algn="ctr"/>
+            <a:endParaRPr lang="pt-PT"/>
+          </a:p>
+        </p:txBody>
+      </p:sp>
+      <p:cxnSp>
+        <p:nvCxnSpPr>
+          <p:cNvPr id="10" name="Conexão reta 9">
+            <a:extLst>
+              <a:ext uri="{FF2B5EF4-FFF2-40B4-BE49-F238E27FC236}">
+                <a16:creationId xmlns:a16="http://schemas.microsoft.com/office/drawing/2014/main" id="{F94E2E11-D66E-4F57-95D6-3309496C14E3}"/>
+              </a:ext>
+            </a:extLst>
+          </p:cNvPr>
+          <p:cNvCxnSpPr/>
+          <p:nvPr/>
+        </p:nvCxnSpPr>
+        <p:spPr>
+          <a:xfrm>
+            <a:off x="980181" y="1170958"/>
+            <a:ext cx="10025508" cy="0"/>
+          </a:xfrm>
+          <a:prstGeom prst="line">
+            <a:avLst/>
+          </a:prstGeom>
+        </p:spPr>
+        <p:style>
+          <a:lnRef idx="1">
+            <a:schemeClr val="accent1"/>
+          </a:lnRef>
+          <a:fillRef idx="0">
+            <a:schemeClr val="accent1"/>
+          </a:fillRef>
+          <a:effectRef idx="0">
+            <a:schemeClr val="accent1"/>
+          </a:effectRef>
+          <a:fontRef idx="minor">
+            <a:schemeClr val="tx1"/>
+          </a:fontRef>
+        </p:style>
+      </p:cxnSp>
+      <p:sp>
+        <p:nvSpPr>
           <p:cNvPr id="2" name="Título 1">
             <a:extLst>
               <a:ext uri="{FF2B5EF4-FFF2-40B4-BE49-F238E27FC236}">
-                <a16:creationId xmlns:a16="http://schemas.microsoft.com/office/drawing/2014/main" xmlns="" id="{49E9DEE2-55CB-46DE-87C4-15E3BE8AE009}"/>
+                <a16:creationId xmlns:a16="http://schemas.microsoft.com/office/drawing/2014/main" id="{49E9DEE2-55CB-46DE-87C4-15E3BE8AE009}"/>
               </a:ext>
             </a:extLst>
           </p:cNvPr>
@@ -4730,7 +5173,12 @@
             <p:ph type="title"/>
           </p:nvPr>
         </p:nvSpPr>
-        <p:spPr/>
+        <p:spPr>
+          <a:xfrm>
+            <a:off x="32562" y="348688"/>
+            <a:ext cx="4631551" cy="902464"/>
+          </a:xfrm>
+        </p:spPr>
         <p:txBody>
           <a:bodyPr/>
           <a:lstStyle/>
@@ -4748,7 +5196,7 @@
           <p:cNvPr id="1028" name="Picture 4" descr="https://cdn.discordapp.com/attachments/501033052735143939/506254205313613845/Calendario.png">
             <a:extLst>
               <a:ext uri="{FF2B5EF4-FFF2-40B4-BE49-F238E27FC236}">
-                <a16:creationId xmlns:a16="http://schemas.microsoft.com/office/drawing/2014/main" xmlns="" id="{BF707421-F3A4-4D50-8E27-84AF32C5ADE5}"/>
+                <a16:creationId xmlns:a16="http://schemas.microsoft.com/office/drawing/2014/main" id="{BF707421-F3A4-4D50-8E27-84AF32C5ADE5}"/>
               </a:ext>
             </a:extLst>
           </p:cNvPr>
@@ -4800,7 +5248,7 @@
           <p:cNvPr id="6" name="Picture 2" descr="https://cdn.discordapp.com/attachments/501033052735143939/506257878185803787/CalendarioAddTask.png">
             <a:extLst>
               <a:ext uri="{FF2B5EF4-FFF2-40B4-BE49-F238E27FC236}">
-                <a16:creationId xmlns:a16="http://schemas.microsoft.com/office/drawing/2014/main" xmlns="" id="{E0D42A2D-A031-4CFF-9FAF-11E3D2B50BD0}"/>
+                <a16:creationId xmlns:a16="http://schemas.microsoft.com/office/drawing/2014/main" id="{E0D42A2D-A031-4CFF-9FAF-11E3D2B50BD0}"/>
               </a:ext>
             </a:extLst>
           </p:cNvPr>
@@ -4938,6 +5386,35 @@
               </a:rPr>
               <a:t>)</a:t>
             </a:r>
+          </a:p>
+        </p:txBody>
+      </p:sp>
+      <p:sp>
+        <p:nvSpPr>
+          <p:cNvPr id="3" name="Marcador de Posição do Número do Diapositivo 2">
+            <a:extLst>
+              <a:ext uri="{FF2B5EF4-FFF2-40B4-BE49-F238E27FC236}">
+                <a16:creationId xmlns:a16="http://schemas.microsoft.com/office/drawing/2014/main" id="{A6E67545-9DB9-48D7-932E-82D84627916B}"/>
+              </a:ext>
+            </a:extLst>
+          </p:cNvPr>
+          <p:cNvSpPr>
+            <a:spLocks noGrp="1"/>
+          </p:cNvSpPr>
+          <p:nvPr>
+            <p:ph type="sldNum" sz="quarter" idx="12"/>
+          </p:nvPr>
+        </p:nvSpPr>
+        <p:spPr/>
+        <p:txBody>
+          <a:bodyPr/>
+          <a:lstStyle/>
+          <a:p>
+            <a:fld id="{53E772C5-4D62-40D5-ADDC-ACB024CB723F}" type="slidenum">
+              <a:rPr lang="pt-PT" smtClean="0"/>
+              <a:t>10</a:t>
+            </a:fld>
+            <a:endParaRPr lang="pt-PT"/>
           </a:p>
         </p:txBody>
       </p:sp>
@@ -4973,10 +5450,100 @@
       </p:grpSpPr>
       <p:sp>
         <p:nvSpPr>
+          <p:cNvPr id="8" name="Retângulo 7">
+            <a:extLst>
+              <a:ext uri="{FF2B5EF4-FFF2-40B4-BE49-F238E27FC236}">
+                <a16:creationId xmlns:a16="http://schemas.microsoft.com/office/drawing/2014/main" id="{5A9A0AE2-EEB9-4BB7-B1E6-1A3E0F6FBE6C}"/>
+              </a:ext>
+            </a:extLst>
+          </p:cNvPr>
+          <p:cNvSpPr/>
+          <p:nvPr/>
+        </p:nvSpPr>
+        <p:spPr>
+          <a:xfrm>
+            <a:off x="1168400" y="1524000"/>
+            <a:ext cx="10097477" cy="450850"/>
+          </a:xfrm>
+          <a:prstGeom prst="rect">
+            <a:avLst/>
+          </a:prstGeom>
+          <a:solidFill>
+            <a:schemeClr val="bg1"/>
+          </a:solidFill>
+          <a:ln>
+            <a:solidFill>
+              <a:schemeClr val="bg1"/>
+            </a:solidFill>
+          </a:ln>
+        </p:spPr>
+        <p:style>
+          <a:lnRef idx="2">
+            <a:schemeClr val="accent1">
+              <a:shade val="50000"/>
+            </a:schemeClr>
+          </a:lnRef>
+          <a:fillRef idx="1">
+            <a:schemeClr val="accent1"/>
+          </a:fillRef>
+          <a:effectRef idx="0">
+            <a:schemeClr val="accent1"/>
+          </a:effectRef>
+          <a:fontRef idx="minor">
+            <a:schemeClr val="lt1"/>
+          </a:fontRef>
+        </p:style>
+        <p:txBody>
+          <a:bodyPr rtlCol="0" anchor="ctr"/>
+          <a:lstStyle/>
+          <a:p>
+            <a:pPr algn="ctr"/>
+            <a:endParaRPr lang="pt-PT"/>
+          </a:p>
+        </p:txBody>
+      </p:sp>
+      <p:cxnSp>
+        <p:nvCxnSpPr>
+          <p:cNvPr id="9" name="Conexão reta 8">
+            <a:extLst>
+              <a:ext uri="{FF2B5EF4-FFF2-40B4-BE49-F238E27FC236}">
+                <a16:creationId xmlns:a16="http://schemas.microsoft.com/office/drawing/2014/main" id="{D42386D2-39D8-4303-B21F-46A4A87B0B7D}"/>
+              </a:ext>
+            </a:extLst>
+          </p:cNvPr>
+          <p:cNvCxnSpPr/>
+          <p:nvPr/>
+        </p:nvCxnSpPr>
+        <p:spPr>
+          <a:xfrm>
+            <a:off x="980181" y="1170958"/>
+            <a:ext cx="10025508" cy="0"/>
+          </a:xfrm>
+          <a:prstGeom prst="line">
+            <a:avLst/>
+          </a:prstGeom>
+        </p:spPr>
+        <p:style>
+          <a:lnRef idx="1">
+            <a:schemeClr val="accent1"/>
+          </a:lnRef>
+          <a:fillRef idx="0">
+            <a:schemeClr val="accent1"/>
+          </a:fillRef>
+          <a:effectRef idx="0">
+            <a:schemeClr val="accent1"/>
+          </a:effectRef>
+          <a:fontRef idx="minor">
+            <a:schemeClr val="tx1"/>
+          </a:fontRef>
+        </p:style>
+      </p:cxnSp>
+      <p:sp>
+        <p:nvSpPr>
           <p:cNvPr id="2" name="Título 1">
             <a:extLst>
               <a:ext uri="{FF2B5EF4-FFF2-40B4-BE49-F238E27FC236}">
-                <a16:creationId xmlns:a16="http://schemas.microsoft.com/office/drawing/2014/main" xmlns="" id="{40175B1B-2625-4885-B947-7765A414C671}"/>
+                <a16:creationId xmlns:a16="http://schemas.microsoft.com/office/drawing/2014/main" id="{40175B1B-2625-4885-B947-7765A414C671}"/>
               </a:ext>
             </a:extLst>
           </p:cNvPr>
@@ -4987,7 +5554,12 @@
             <p:ph type="title"/>
           </p:nvPr>
         </p:nvSpPr>
-        <p:spPr/>
+        <p:spPr>
+          <a:xfrm>
+            <a:off x="689113" y="331431"/>
+            <a:ext cx="4556097" cy="902467"/>
+          </a:xfrm>
+        </p:spPr>
         <p:txBody>
           <a:bodyPr/>
           <a:lstStyle/>
@@ -5022,7 +5594,7 @@
           <p:cNvPr id="5" name="Marcador de Posição de Conteúdo 4">
             <a:extLst>
               <a:ext uri="{FF2B5EF4-FFF2-40B4-BE49-F238E27FC236}">
-                <a16:creationId xmlns:a16="http://schemas.microsoft.com/office/drawing/2014/main" xmlns="" id="{0AA3163B-E6AD-4925-A77F-B4B9C457A563}"/>
+                <a16:creationId xmlns:a16="http://schemas.microsoft.com/office/drawing/2014/main" id="{0AA3163B-E6AD-4925-A77F-B4B9C457A563}"/>
               </a:ext>
             </a:extLst>
           </p:cNvPr>
@@ -5110,6 +5682,35 @@
               </a:rPr>
               <a:t>)</a:t>
             </a:r>
+          </a:p>
+        </p:txBody>
+      </p:sp>
+      <p:sp>
+        <p:nvSpPr>
+          <p:cNvPr id="3" name="Marcador de Posição do Número do Diapositivo 2">
+            <a:extLst>
+              <a:ext uri="{FF2B5EF4-FFF2-40B4-BE49-F238E27FC236}">
+                <a16:creationId xmlns:a16="http://schemas.microsoft.com/office/drawing/2014/main" id="{4AE80058-2FF8-40A5-AED4-F4634DE01F7C}"/>
+              </a:ext>
+            </a:extLst>
+          </p:cNvPr>
+          <p:cNvSpPr>
+            <a:spLocks noGrp="1"/>
+          </p:cNvSpPr>
+          <p:nvPr>
+            <p:ph type="sldNum" sz="quarter" idx="12"/>
+          </p:nvPr>
+        </p:nvSpPr>
+        <p:spPr/>
+        <p:txBody>
+          <a:bodyPr/>
+          <a:lstStyle/>
+          <a:p>
+            <a:fld id="{53E772C5-4D62-40D5-ADDC-ACB024CB723F}" type="slidenum">
+              <a:rPr lang="pt-PT" smtClean="0"/>
+              <a:t>11</a:t>
+            </a:fld>
+            <a:endParaRPr lang="pt-PT"/>
           </a:p>
         </p:txBody>
       </p:sp>
@@ -5145,10 +5746,100 @@
       </p:grpSpPr>
       <p:sp>
         <p:nvSpPr>
+          <p:cNvPr id="9" name="Retângulo 8">
+            <a:extLst>
+              <a:ext uri="{FF2B5EF4-FFF2-40B4-BE49-F238E27FC236}">
+                <a16:creationId xmlns:a16="http://schemas.microsoft.com/office/drawing/2014/main" id="{11E35F76-E49A-4E6B-83D1-1F2CC751CCE6}"/>
+              </a:ext>
+            </a:extLst>
+          </p:cNvPr>
+          <p:cNvSpPr/>
+          <p:nvPr/>
+        </p:nvSpPr>
+        <p:spPr>
+          <a:xfrm>
+            <a:off x="1168400" y="1524000"/>
+            <a:ext cx="10097477" cy="450850"/>
+          </a:xfrm>
+          <a:prstGeom prst="rect">
+            <a:avLst/>
+          </a:prstGeom>
+          <a:solidFill>
+            <a:schemeClr val="bg1"/>
+          </a:solidFill>
+          <a:ln>
+            <a:solidFill>
+              <a:schemeClr val="bg1"/>
+            </a:solidFill>
+          </a:ln>
+        </p:spPr>
+        <p:style>
+          <a:lnRef idx="2">
+            <a:schemeClr val="accent1">
+              <a:shade val="50000"/>
+            </a:schemeClr>
+          </a:lnRef>
+          <a:fillRef idx="1">
+            <a:schemeClr val="accent1"/>
+          </a:fillRef>
+          <a:effectRef idx="0">
+            <a:schemeClr val="accent1"/>
+          </a:effectRef>
+          <a:fontRef idx="minor">
+            <a:schemeClr val="lt1"/>
+          </a:fontRef>
+        </p:style>
+        <p:txBody>
+          <a:bodyPr rtlCol="0" anchor="ctr"/>
+          <a:lstStyle/>
+          <a:p>
+            <a:pPr algn="ctr"/>
+            <a:endParaRPr lang="pt-PT"/>
+          </a:p>
+        </p:txBody>
+      </p:sp>
+      <p:cxnSp>
+        <p:nvCxnSpPr>
+          <p:cNvPr id="10" name="Conexão reta 9">
+            <a:extLst>
+              <a:ext uri="{FF2B5EF4-FFF2-40B4-BE49-F238E27FC236}">
+                <a16:creationId xmlns:a16="http://schemas.microsoft.com/office/drawing/2014/main" id="{F964ABE4-77ED-465D-A591-E61F71182DAB}"/>
+              </a:ext>
+            </a:extLst>
+          </p:cNvPr>
+          <p:cNvCxnSpPr/>
+          <p:nvPr/>
+        </p:nvCxnSpPr>
+        <p:spPr>
+          <a:xfrm>
+            <a:off x="980181" y="1170958"/>
+            <a:ext cx="10025508" cy="0"/>
+          </a:xfrm>
+          <a:prstGeom prst="line">
+            <a:avLst/>
+          </a:prstGeom>
+        </p:spPr>
+        <p:style>
+          <a:lnRef idx="1">
+            <a:schemeClr val="accent1"/>
+          </a:lnRef>
+          <a:fillRef idx="0">
+            <a:schemeClr val="accent1"/>
+          </a:fillRef>
+          <a:effectRef idx="0">
+            <a:schemeClr val="accent1"/>
+          </a:effectRef>
+          <a:fontRef idx="minor">
+            <a:schemeClr val="tx1"/>
+          </a:fontRef>
+        </p:style>
+      </p:cxnSp>
+      <p:sp>
+        <p:nvSpPr>
           <p:cNvPr id="2" name="Título 1">
             <a:extLst>
               <a:ext uri="{FF2B5EF4-FFF2-40B4-BE49-F238E27FC236}">
-                <a16:creationId xmlns:a16="http://schemas.microsoft.com/office/drawing/2014/main" xmlns="" id="{70B6A208-4D95-4F8A-8EEF-1C4B78D10D09}"/>
+                <a16:creationId xmlns:a16="http://schemas.microsoft.com/office/drawing/2014/main" id="{70B6A208-4D95-4F8A-8EEF-1C4B78D10D09}"/>
               </a:ext>
             </a:extLst>
           </p:cNvPr>
@@ -5159,7 +5850,12 @@
             <p:ph type="title"/>
           </p:nvPr>
         </p:nvSpPr>
-        <p:spPr/>
+        <p:spPr>
+          <a:xfrm>
+            <a:off x="834886" y="196446"/>
+            <a:ext cx="4079019" cy="1027276"/>
+          </a:xfrm>
+        </p:spPr>
         <p:txBody>
           <a:bodyPr/>
           <a:lstStyle/>
@@ -5194,7 +5890,7 @@
           <p:cNvPr id="5" name="Marcador de Posição de Conteúdo 4">
             <a:extLst>
               <a:ext uri="{FF2B5EF4-FFF2-40B4-BE49-F238E27FC236}">
-                <a16:creationId xmlns:a16="http://schemas.microsoft.com/office/drawing/2014/main" xmlns="" id="{9FD3398C-51A6-4AEC-B4FC-8BDD5BF4CECF}"/>
+                <a16:creationId xmlns:a16="http://schemas.microsoft.com/office/drawing/2014/main" id="{9FD3398C-51A6-4AEC-B4FC-8BDD5BF4CECF}"/>
               </a:ext>
             </a:extLst>
           </p:cNvPr>
@@ -5234,7 +5930,7 @@
           <p:cNvPr id="6" name="Marcador de Posição de Conteúdo 4">
             <a:extLst>
               <a:ext uri="{FF2B5EF4-FFF2-40B4-BE49-F238E27FC236}">
-                <a16:creationId xmlns:a16="http://schemas.microsoft.com/office/drawing/2014/main" xmlns="" id="{FA057F45-4F3B-49FA-B665-68CBA6F72185}"/>
+                <a16:creationId xmlns:a16="http://schemas.microsoft.com/office/drawing/2014/main" id="{FA057F45-4F3B-49FA-B665-68CBA6F72185}"/>
               </a:ext>
             </a:extLst>
           </p:cNvPr>
@@ -5339,6 +6035,35 @@
               </a:rPr>
               <a:t>(loja)</a:t>
             </a:r>
+          </a:p>
+        </p:txBody>
+      </p:sp>
+      <p:sp>
+        <p:nvSpPr>
+          <p:cNvPr id="3" name="Marcador de Posição do Número do Diapositivo 2">
+            <a:extLst>
+              <a:ext uri="{FF2B5EF4-FFF2-40B4-BE49-F238E27FC236}">
+                <a16:creationId xmlns:a16="http://schemas.microsoft.com/office/drawing/2014/main" id="{45D15A4C-3BBA-4AC5-A0A3-C6FE8C1FD729}"/>
+              </a:ext>
+            </a:extLst>
+          </p:cNvPr>
+          <p:cNvSpPr>
+            <a:spLocks noGrp="1"/>
+          </p:cNvSpPr>
+          <p:nvPr>
+            <p:ph type="sldNum" sz="quarter" idx="12"/>
+          </p:nvPr>
+        </p:nvSpPr>
+        <p:spPr/>
+        <p:txBody>
+          <a:bodyPr/>
+          <a:lstStyle/>
+          <a:p>
+            <a:fld id="{53E772C5-4D62-40D5-ADDC-ACB024CB723F}" type="slidenum">
+              <a:rPr lang="pt-PT" smtClean="0"/>
+              <a:t>12</a:t>
+            </a:fld>
+            <a:endParaRPr lang="pt-PT"/>
           </a:p>
         </p:txBody>
       </p:sp>
@@ -5374,10 +6099,100 @@
       </p:grpSpPr>
       <p:sp>
         <p:nvSpPr>
+          <p:cNvPr id="7" name="Retângulo 6">
+            <a:extLst>
+              <a:ext uri="{FF2B5EF4-FFF2-40B4-BE49-F238E27FC236}">
+                <a16:creationId xmlns:a16="http://schemas.microsoft.com/office/drawing/2014/main" id="{92D06A65-A096-4515-99C6-6D6FD8EDB803}"/>
+              </a:ext>
+            </a:extLst>
+          </p:cNvPr>
+          <p:cNvSpPr/>
+          <p:nvPr/>
+        </p:nvSpPr>
+        <p:spPr>
+          <a:xfrm>
+            <a:off x="1168400" y="1524000"/>
+            <a:ext cx="10097477" cy="450850"/>
+          </a:xfrm>
+          <a:prstGeom prst="rect">
+            <a:avLst/>
+          </a:prstGeom>
+          <a:solidFill>
+            <a:schemeClr val="bg1"/>
+          </a:solidFill>
+          <a:ln>
+            <a:solidFill>
+              <a:schemeClr val="bg1"/>
+            </a:solidFill>
+          </a:ln>
+        </p:spPr>
+        <p:style>
+          <a:lnRef idx="2">
+            <a:schemeClr val="accent1">
+              <a:shade val="50000"/>
+            </a:schemeClr>
+          </a:lnRef>
+          <a:fillRef idx="1">
+            <a:schemeClr val="accent1"/>
+          </a:fillRef>
+          <a:effectRef idx="0">
+            <a:schemeClr val="accent1"/>
+          </a:effectRef>
+          <a:fontRef idx="minor">
+            <a:schemeClr val="lt1"/>
+          </a:fontRef>
+        </p:style>
+        <p:txBody>
+          <a:bodyPr rtlCol="0" anchor="ctr"/>
+          <a:lstStyle/>
+          <a:p>
+            <a:pPr algn="ctr"/>
+            <a:endParaRPr lang="pt-PT"/>
+          </a:p>
+        </p:txBody>
+      </p:sp>
+      <p:cxnSp>
+        <p:nvCxnSpPr>
+          <p:cNvPr id="8" name="Conexão reta 7">
+            <a:extLst>
+              <a:ext uri="{FF2B5EF4-FFF2-40B4-BE49-F238E27FC236}">
+                <a16:creationId xmlns:a16="http://schemas.microsoft.com/office/drawing/2014/main" id="{41958C07-D330-4AFA-AC20-A16FF36D0A15}"/>
+              </a:ext>
+            </a:extLst>
+          </p:cNvPr>
+          <p:cNvCxnSpPr/>
+          <p:nvPr/>
+        </p:nvCxnSpPr>
+        <p:spPr>
+          <a:xfrm>
+            <a:off x="980181" y="1170958"/>
+            <a:ext cx="10025508" cy="0"/>
+          </a:xfrm>
+          <a:prstGeom prst="line">
+            <a:avLst/>
+          </a:prstGeom>
+        </p:spPr>
+        <p:style>
+          <a:lnRef idx="1">
+            <a:schemeClr val="accent1"/>
+          </a:lnRef>
+          <a:fillRef idx="0">
+            <a:schemeClr val="accent1"/>
+          </a:fillRef>
+          <a:effectRef idx="0">
+            <a:schemeClr val="accent1"/>
+          </a:effectRef>
+          <a:fontRef idx="minor">
+            <a:schemeClr val="tx1"/>
+          </a:fontRef>
+        </p:style>
+      </p:cxnSp>
+      <p:sp>
+        <p:nvSpPr>
           <p:cNvPr id="2" name="Título 1">
             <a:extLst>
               <a:ext uri="{FF2B5EF4-FFF2-40B4-BE49-F238E27FC236}">
-                <a16:creationId xmlns:a16="http://schemas.microsoft.com/office/drawing/2014/main" xmlns="" id="{CFD9D940-A3D1-4AFF-BE26-C443C9813A2D}"/>
+                <a16:creationId xmlns:a16="http://schemas.microsoft.com/office/drawing/2014/main" id="{CFD9D940-A3D1-4AFF-BE26-C443C9813A2D}"/>
               </a:ext>
             </a:extLst>
           </p:cNvPr>
@@ -5388,7 +6203,12 @@
             <p:ph type="title"/>
           </p:nvPr>
         </p:nvSpPr>
-        <p:spPr/>
+        <p:spPr>
+          <a:xfrm>
+            <a:off x="516834" y="457500"/>
+            <a:ext cx="2144202" cy="748331"/>
+          </a:xfrm>
+        </p:spPr>
         <p:txBody>
           <a:bodyPr/>
           <a:lstStyle/>
@@ -5406,7 +6226,7 @@
           <p:cNvPr id="7170" name="Picture 2" descr="https://cdn.discordapp.com/attachments/501033052735143939/506259056902537231/Perfil.png">
             <a:extLst>
               <a:ext uri="{FF2B5EF4-FFF2-40B4-BE49-F238E27FC236}">
-                <a16:creationId xmlns:a16="http://schemas.microsoft.com/office/drawing/2014/main" xmlns="" id="{D1DF712D-03DE-4436-8384-16A49AF8969D}"/>
+                <a16:creationId xmlns:a16="http://schemas.microsoft.com/office/drawing/2014/main" id="{D1DF712D-03DE-4436-8384-16A49AF8969D}"/>
               </a:ext>
             </a:extLst>
           </p:cNvPr>
@@ -5460,7 +6280,7 @@
           <p:cNvPr id="4" name="Picture 2" descr="https://cdn.discordapp.com/attachments/501033052735143939/506259059951796224/EditarPerfil.png">
             <a:extLst>
               <a:ext uri="{FF2B5EF4-FFF2-40B4-BE49-F238E27FC236}">
-                <a16:creationId xmlns:a16="http://schemas.microsoft.com/office/drawing/2014/main" xmlns="" id="{DBAF44B5-6606-40C7-8D08-A92218F40341}"/>
+                <a16:creationId xmlns:a16="http://schemas.microsoft.com/office/drawing/2014/main" id="{DBAF44B5-6606-40C7-8D08-A92218F40341}"/>
               </a:ext>
             </a:extLst>
           </p:cNvPr>
@@ -5576,6 +6396,35 @@
               </a:rPr>
               <a:t>(editar perfil)</a:t>
             </a:r>
+          </a:p>
+        </p:txBody>
+      </p:sp>
+      <p:sp>
+        <p:nvSpPr>
+          <p:cNvPr id="3" name="Marcador de Posição do Número do Diapositivo 2">
+            <a:extLst>
+              <a:ext uri="{FF2B5EF4-FFF2-40B4-BE49-F238E27FC236}">
+                <a16:creationId xmlns:a16="http://schemas.microsoft.com/office/drawing/2014/main" id="{7787DE41-2E32-43E4-B5D3-0FC1E158F807}"/>
+              </a:ext>
+            </a:extLst>
+          </p:cNvPr>
+          <p:cNvSpPr>
+            <a:spLocks noGrp="1"/>
+          </p:cNvSpPr>
+          <p:nvPr>
+            <p:ph type="sldNum" sz="quarter" idx="12"/>
+          </p:nvPr>
+        </p:nvSpPr>
+        <p:spPr/>
+        <p:txBody>
+          <a:bodyPr/>
+          <a:lstStyle/>
+          <a:p>
+            <a:fld id="{53E772C5-4D62-40D5-ADDC-ACB024CB723F}" type="slidenum">
+              <a:rPr lang="pt-PT" smtClean="0"/>
+              <a:t>13</a:t>
+            </a:fld>
+            <a:endParaRPr lang="pt-PT"/>
           </a:p>
         </p:txBody>
       </p:sp>
@@ -5611,10 +6460,100 @@
       </p:grpSpPr>
       <p:sp>
         <p:nvSpPr>
+          <p:cNvPr id="5" name="Retângulo 4">
+            <a:extLst>
+              <a:ext uri="{FF2B5EF4-FFF2-40B4-BE49-F238E27FC236}">
+                <a16:creationId xmlns:a16="http://schemas.microsoft.com/office/drawing/2014/main" id="{6123C1FA-2485-4246-BFAB-5C3C317E4941}"/>
+              </a:ext>
+            </a:extLst>
+          </p:cNvPr>
+          <p:cNvSpPr/>
+          <p:nvPr/>
+        </p:nvSpPr>
+        <p:spPr>
+          <a:xfrm>
+            <a:off x="1168400" y="1524000"/>
+            <a:ext cx="10097477" cy="450850"/>
+          </a:xfrm>
+          <a:prstGeom prst="rect">
+            <a:avLst/>
+          </a:prstGeom>
+          <a:solidFill>
+            <a:schemeClr val="bg1"/>
+          </a:solidFill>
+          <a:ln>
+            <a:solidFill>
+              <a:schemeClr val="bg1"/>
+            </a:solidFill>
+          </a:ln>
+        </p:spPr>
+        <p:style>
+          <a:lnRef idx="2">
+            <a:schemeClr val="accent1">
+              <a:shade val="50000"/>
+            </a:schemeClr>
+          </a:lnRef>
+          <a:fillRef idx="1">
+            <a:schemeClr val="accent1"/>
+          </a:fillRef>
+          <a:effectRef idx="0">
+            <a:schemeClr val="accent1"/>
+          </a:effectRef>
+          <a:fontRef idx="minor">
+            <a:schemeClr val="lt1"/>
+          </a:fontRef>
+        </p:style>
+        <p:txBody>
+          <a:bodyPr rtlCol="0" anchor="ctr"/>
+          <a:lstStyle/>
+          <a:p>
+            <a:pPr algn="ctr"/>
+            <a:endParaRPr lang="pt-PT"/>
+          </a:p>
+        </p:txBody>
+      </p:sp>
+      <p:cxnSp>
+        <p:nvCxnSpPr>
+          <p:cNvPr id="6" name="Conexão reta 5">
+            <a:extLst>
+              <a:ext uri="{FF2B5EF4-FFF2-40B4-BE49-F238E27FC236}">
+                <a16:creationId xmlns:a16="http://schemas.microsoft.com/office/drawing/2014/main" id="{021D2984-F522-484C-B78B-92569A95BB29}"/>
+              </a:ext>
+            </a:extLst>
+          </p:cNvPr>
+          <p:cNvCxnSpPr/>
+          <p:nvPr/>
+        </p:nvCxnSpPr>
+        <p:spPr>
+          <a:xfrm>
+            <a:off x="980181" y="1170958"/>
+            <a:ext cx="10025508" cy="0"/>
+          </a:xfrm>
+          <a:prstGeom prst="line">
+            <a:avLst/>
+          </a:prstGeom>
+        </p:spPr>
+        <p:style>
+          <a:lnRef idx="1">
+            <a:schemeClr val="accent1"/>
+          </a:lnRef>
+          <a:fillRef idx="0">
+            <a:schemeClr val="accent1"/>
+          </a:fillRef>
+          <a:effectRef idx="0">
+            <a:schemeClr val="accent1"/>
+          </a:effectRef>
+          <a:fontRef idx="minor">
+            <a:schemeClr val="tx1"/>
+          </a:fontRef>
+        </p:style>
+      </p:cxnSp>
+      <p:sp>
+        <p:nvSpPr>
           <p:cNvPr id="2" name="Título 1">
             <a:extLst>
               <a:ext uri="{FF2B5EF4-FFF2-40B4-BE49-F238E27FC236}">
-                <a16:creationId xmlns:a16="http://schemas.microsoft.com/office/drawing/2014/main" xmlns="" id="{29FD3A89-4AA2-44F7-BE6B-90FF86D07F07}"/>
+                <a16:creationId xmlns:a16="http://schemas.microsoft.com/office/drawing/2014/main" id="{29FD3A89-4AA2-44F7-BE6B-90FF86D07F07}"/>
               </a:ext>
             </a:extLst>
           </p:cNvPr>
@@ -5625,7 +6564,12 @@
             <p:ph type="title"/>
           </p:nvPr>
         </p:nvSpPr>
-        <p:spPr/>
+        <p:spPr>
+          <a:xfrm>
+            <a:off x="390467" y="241984"/>
+            <a:ext cx="4457178" cy="928974"/>
+          </a:xfrm>
+        </p:spPr>
         <p:txBody>
           <a:bodyPr/>
           <a:lstStyle/>
@@ -5643,7 +6587,7 @@
           <p:cNvPr id="8194" name="Picture 2" descr="https://cdn.discordapp.com/attachments/501033052735143939/506259058098044930/Configuracoes.png">
             <a:extLst>
               <a:ext uri="{FF2B5EF4-FFF2-40B4-BE49-F238E27FC236}">
-                <a16:creationId xmlns:a16="http://schemas.microsoft.com/office/drawing/2014/main" xmlns="" id="{94582D6C-BDBF-4F52-A9F4-BE3E882B915F}"/>
+                <a16:creationId xmlns:a16="http://schemas.microsoft.com/office/drawing/2014/main" id="{94582D6C-BDBF-4F52-A9F4-BE3E882B915F}"/>
               </a:ext>
             </a:extLst>
           </p:cNvPr>
@@ -5725,6 +6669,35 @@
               </a:rPr>
               <a:t>(configurações)</a:t>
             </a:r>
+          </a:p>
+        </p:txBody>
+      </p:sp>
+      <p:sp>
+        <p:nvSpPr>
+          <p:cNvPr id="3" name="Marcador de Posição do Número do Diapositivo 2">
+            <a:extLst>
+              <a:ext uri="{FF2B5EF4-FFF2-40B4-BE49-F238E27FC236}">
+                <a16:creationId xmlns:a16="http://schemas.microsoft.com/office/drawing/2014/main" id="{162EF0DB-5343-4732-B4AA-A97B9F2FB954}"/>
+              </a:ext>
+            </a:extLst>
+          </p:cNvPr>
+          <p:cNvSpPr>
+            <a:spLocks noGrp="1"/>
+          </p:cNvSpPr>
+          <p:nvPr>
+            <p:ph type="sldNum" sz="quarter" idx="12"/>
+          </p:nvPr>
+        </p:nvSpPr>
+        <p:spPr/>
+        <p:txBody>
+          <a:bodyPr/>
+          <a:lstStyle/>
+          <a:p>
+            <a:fld id="{53E772C5-4D62-40D5-ADDC-ACB024CB723F}" type="slidenum">
+              <a:rPr lang="pt-PT" smtClean="0"/>
+              <a:t>14</a:t>
+            </a:fld>
+            <a:endParaRPr lang="pt-PT"/>
           </a:p>
         </p:txBody>
       </p:sp>
@@ -5760,10 +6733,100 @@
       </p:grpSpPr>
       <p:sp>
         <p:nvSpPr>
+          <p:cNvPr id="5" name="Retângulo 4">
+            <a:extLst>
+              <a:ext uri="{FF2B5EF4-FFF2-40B4-BE49-F238E27FC236}">
+                <a16:creationId xmlns:a16="http://schemas.microsoft.com/office/drawing/2014/main" id="{587091C6-2C29-46E8-A310-4910CE804730}"/>
+              </a:ext>
+            </a:extLst>
+          </p:cNvPr>
+          <p:cNvSpPr/>
+          <p:nvPr/>
+        </p:nvSpPr>
+        <p:spPr>
+          <a:xfrm>
+            <a:off x="1168400" y="1524000"/>
+            <a:ext cx="10097477" cy="450850"/>
+          </a:xfrm>
+          <a:prstGeom prst="rect">
+            <a:avLst/>
+          </a:prstGeom>
+          <a:solidFill>
+            <a:schemeClr val="bg1"/>
+          </a:solidFill>
+          <a:ln>
+            <a:solidFill>
+              <a:schemeClr val="bg1"/>
+            </a:solidFill>
+          </a:ln>
+        </p:spPr>
+        <p:style>
+          <a:lnRef idx="2">
+            <a:schemeClr val="accent1">
+              <a:shade val="50000"/>
+            </a:schemeClr>
+          </a:lnRef>
+          <a:fillRef idx="1">
+            <a:schemeClr val="accent1"/>
+          </a:fillRef>
+          <a:effectRef idx="0">
+            <a:schemeClr val="accent1"/>
+          </a:effectRef>
+          <a:fontRef idx="minor">
+            <a:schemeClr val="lt1"/>
+          </a:fontRef>
+        </p:style>
+        <p:txBody>
+          <a:bodyPr rtlCol="0" anchor="ctr"/>
+          <a:lstStyle/>
+          <a:p>
+            <a:pPr algn="ctr"/>
+            <a:endParaRPr lang="pt-PT"/>
+          </a:p>
+        </p:txBody>
+      </p:sp>
+      <p:cxnSp>
+        <p:nvCxnSpPr>
+          <p:cNvPr id="6" name="Conexão reta 5">
+            <a:extLst>
+              <a:ext uri="{FF2B5EF4-FFF2-40B4-BE49-F238E27FC236}">
+                <a16:creationId xmlns:a16="http://schemas.microsoft.com/office/drawing/2014/main" id="{45B6F1EF-A102-45B5-B88C-0BC732D03A5C}"/>
+              </a:ext>
+            </a:extLst>
+          </p:cNvPr>
+          <p:cNvCxnSpPr/>
+          <p:nvPr/>
+        </p:nvCxnSpPr>
+        <p:spPr>
+          <a:xfrm>
+            <a:off x="980181" y="1170958"/>
+            <a:ext cx="10025508" cy="0"/>
+          </a:xfrm>
+          <a:prstGeom prst="line">
+            <a:avLst/>
+          </a:prstGeom>
+        </p:spPr>
+        <p:style>
+          <a:lnRef idx="1">
+            <a:schemeClr val="accent1"/>
+          </a:lnRef>
+          <a:fillRef idx="0">
+            <a:schemeClr val="accent1"/>
+          </a:fillRef>
+          <a:effectRef idx="0">
+            <a:schemeClr val="accent1"/>
+          </a:effectRef>
+          <a:fontRef idx="minor">
+            <a:schemeClr val="tx1"/>
+          </a:fontRef>
+        </p:style>
+      </p:cxnSp>
+      <p:sp>
+        <p:nvSpPr>
           <p:cNvPr id="2" name="Título 1">
             <a:extLst>
               <a:ext uri="{FF2B5EF4-FFF2-40B4-BE49-F238E27FC236}">
-                <a16:creationId xmlns:a16="http://schemas.microsoft.com/office/drawing/2014/main" xmlns="" id="{9C1B33EC-4A45-4558-B21E-54B74A147445}"/>
+                <a16:creationId xmlns:a16="http://schemas.microsoft.com/office/drawing/2014/main" id="{9C1B33EC-4A45-4558-B21E-54B74A147445}"/>
               </a:ext>
             </a:extLst>
           </p:cNvPr>
@@ -5774,7 +6837,12 @@
             <p:ph type="title"/>
           </p:nvPr>
         </p:nvSpPr>
-        <p:spPr/>
+        <p:spPr>
+          <a:xfrm>
+            <a:off x="632820" y="331324"/>
+            <a:ext cx="6570428" cy="915677"/>
+          </a:xfrm>
+        </p:spPr>
         <p:txBody>
           <a:bodyPr/>
           <a:lstStyle/>
@@ -5804,7 +6872,7 @@
           <p:cNvPr id="10242" name="Picture 2" descr="https://cdn.discordapp.com/attachments/501033052735143939/506259062883614723/NavDrawer.png">
             <a:extLst>
               <a:ext uri="{FF2B5EF4-FFF2-40B4-BE49-F238E27FC236}">
-                <a16:creationId xmlns:a16="http://schemas.microsoft.com/office/drawing/2014/main" xmlns="" id="{C5913BD0-8EAF-4B5E-9947-57028D8A8990}"/>
+                <a16:creationId xmlns:a16="http://schemas.microsoft.com/office/drawing/2014/main" id="{C5913BD0-8EAF-4B5E-9947-57028D8A8990}"/>
               </a:ext>
             </a:extLst>
           </p:cNvPr>
@@ -5886,6 +6954,35 @@
               </a:rPr>
               <a:t>(menu lateral)</a:t>
             </a:r>
+          </a:p>
+        </p:txBody>
+      </p:sp>
+      <p:sp>
+        <p:nvSpPr>
+          <p:cNvPr id="3" name="Marcador de Posição do Número do Diapositivo 2">
+            <a:extLst>
+              <a:ext uri="{FF2B5EF4-FFF2-40B4-BE49-F238E27FC236}">
+                <a16:creationId xmlns:a16="http://schemas.microsoft.com/office/drawing/2014/main" id="{59B0B05D-4076-4FBE-81D2-A4103E08BAA9}"/>
+              </a:ext>
+            </a:extLst>
+          </p:cNvPr>
+          <p:cNvSpPr>
+            <a:spLocks noGrp="1"/>
+          </p:cNvSpPr>
+          <p:nvPr>
+            <p:ph type="sldNum" sz="quarter" idx="12"/>
+          </p:nvPr>
+        </p:nvSpPr>
+        <p:spPr/>
+        <p:txBody>
+          <a:bodyPr/>
+          <a:lstStyle/>
+          <a:p>
+            <a:fld id="{53E772C5-4D62-40D5-ADDC-ACB024CB723F}" type="slidenum">
+              <a:rPr lang="pt-PT" smtClean="0"/>
+              <a:t>15</a:t>
+            </a:fld>
+            <a:endParaRPr lang="pt-PT"/>
           </a:p>
         </p:txBody>
       </p:sp>
@@ -5921,10 +7018,100 @@
       </p:grpSpPr>
       <p:sp>
         <p:nvSpPr>
+          <p:cNvPr id="5" name="Retângulo 4">
+            <a:extLst>
+              <a:ext uri="{FF2B5EF4-FFF2-40B4-BE49-F238E27FC236}">
+                <a16:creationId xmlns:a16="http://schemas.microsoft.com/office/drawing/2014/main" id="{836E4824-2AC7-4D52-89B2-FE329E8892B8}"/>
+              </a:ext>
+            </a:extLst>
+          </p:cNvPr>
+          <p:cNvSpPr/>
+          <p:nvPr/>
+        </p:nvSpPr>
+        <p:spPr>
+          <a:xfrm>
+            <a:off x="1168400" y="1524000"/>
+            <a:ext cx="10097477" cy="450850"/>
+          </a:xfrm>
+          <a:prstGeom prst="rect">
+            <a:avLst/>
+          </a:prstGeom>
+          <a:solidFill>
+            <a:schemeClr val="bg1"/>
+          </a:solidFill>
+          <a:ln>
+            <a:solidFill>
+              <a:schemeClr val="bg1"/>
+            </a:solidFill>
+          </a:ln>
+        </p:spPr>
+        <p:style>
+          <a:lnRef idx="2">
+            <a:schemeClr val="accent1">
+              <a:shade val="50000"/>
+            </a:schemeClr>
+          </a:lnRef>
+          <a:fillRef idx="1">
+            <a:schemeClr val="accent1"/>
+          </a:fillRef>
+          <a:effectRef idx="0">
+            <a:schemeClr val="accent1"/>
+          </a:effectRef>
+          <a:fontRef idx="minor">
+            <a:schemeClr val="lt1"/>
+          </a:fontRef>
+        </p:style>
+        <p:txBody>
+          <a:bodyPr rtlCol="0" anchor="ctr"/>
+          <a:lstStyle/>
+          <a:p>
+            <a:pPr algn="ctr"/>
+            <a:endParaRPr lang="pt-PT"/>
+          </a:p>
+        </p:txBody>
+      </p:sp>
+      <p:cxnSp>
+        <p:nvCxnSpPr>
+          <p:cNvPr id="6" name="Conexão reta 5">
+            <a:extLst>
+              <a:ext uri="{FF2B5EF4-FFF2-40B4-BE49-F238E27FC236}">
+                <a16:creationId xmlns:a16="http://schemas.microsoft.com/office/drawing/2014/main" id="{CC07E3A9-63AA-4DE6-B9AC-D3B499F924FB}"/>
+              </a:ext>
+            </a:extLst>
+          </p:cNvPr>
+          <p:cNvCxnSpPr/>
+          <p:nvPr/>
+        </p:nvCxnSpPr>
+        <p:spPr>
+          <a:xfrm>
+            <a:off x="980181" y="1170958"/>
+            <a:ext cx="10025508" cy="0"/>
+          </a:xfrm>
+          <a:prstGeom prst="line">
+            <a:avLst/>
+          </a:prstGeom>
+        </p:spPr>
+        <p:style>
+          <a:lnRef idx="1">
+            <a:schemeClr val="accent1"/>
+          </a:lnRef>
+          <a:fillRef idx="0">
+            <a:schemeClr val="accent1"/>
+          </a:fillRef>
+          <a:effectRef idx="0">
+            <a:schemeClr val="accent1"/>
+          </a:effectRef>
+          <a:fontRef idx="minor">
+            <a:schemeClr val="tx1"/>
+          </a:fontRef>
+        </p:style>
+      </p:cxnSp>
+      <p:sp>
+        <p:nvSpPr>
           <p:cNvPr id="2" name="Título 1">
             <a:extLst>
               <a:ext uri="{FF2B5EF4-FFF2-40B4-BE49-F238E27FC236}">
-                <a16:creationId xmlns:a16="http://schemas.microsoft.com/office/drawing/2014/main" xmlns="" id="{E7693B7F-DA7B-420B-B0DE-310493F2C40E}"/>
+                <a16:creationId xmlns:a16="http://schemas.microsoft.com/office/drawing/2014/main" id="{E7693B7F-DA7B-420B-B0DE-310493F2C40E}"/>
               </a:ext>
             </a:extLst>
           </p:cNvPr>
@@ -5935,7 +7122,12 @@
             <p:ph type="title"/>
           </p:nvPr>
         </p:nvSpPr>
-        <p:spPr/>
+        <p:spPr>
+          <a:xfrm>
+            <a:off x="622852" y="321512"/>
+            <a:ext cx="2647784" cy="849446"/>
+          </a:xfrm>
+        </p:spPr>
         <p:txBody>
           <a:bodyPr/>
           <a:lstStyle/>
@@ -5953,7 +7145,7 @@
           <p:cNvPr id="11266" name="Picture 2" descr="https://cdn.discordapp.com/attachments/501033052735143939/506259738661617674/Noticias.png">
             <a:extLst>
               <a:ext uri="{FF2B5EF4-FFF2-40B4-BE49-F238E27FC236}">
-                <a16:creationId xmlns:a16="http://schemas.microsoft.com/office/drawing/2014/main" xmlns="" id="{9D30913D-F225-4637-BC34-60778A6C067B}"/>
+                <a16:creationId xmlns:a16="http://schemas.microsoft.com/office/drawing/2014/main" id="{9D30913D-F225-4637-BC34-60778A6C067B}"/>
               </a:ext>
             </a:extLst>
           </p:cNvPr>
@@ -6035,6 +7227,35 @@
               </a:rPr>
               <a:t>(notícias)</a:t>
             </a:r>
+          </a:p>
+        </p:txBody>
+      </p:sp>
+      <p:sp>
+        <p:nvSpPr>
+          <p:cNvPr id="3" name="Marcador de Posição do Número do Diapositivo 2">
+            <a:extLst>
+              <a:ext uri="{FF2B5EF4-FFF2-40B4-BE49-F238E27FC236}">
+                <a16:creationId xmlns:a16="http://schemas.microsoft.com/office/drawing/2014/main" id="{33E33666-1BAE-4684-A82F-AC534C110994}"/>
+              </a:ext>
+            </a:extLst>
+          </p:cNvPr>
+          <p:cNvSpPr>
+            <a:spLocks noGrp="1"/>
+          </p:cNvSpPr>
+          <p:nvPr>
+            <p:ph type="sldNum" sz="quarter" idx="12"/>
+          </p:nvPr>
+        </p:nvSpPr>
+        <p:spPr/>
+        <p:txBody>
+          <a:bodyPr/>
+          <a:lstStyle/>
+          <a:p>
+            <a:fld id="{53E772C5-4D62-40D5-ADDC-ACB024CB723F}" type="slidenum">
+              <a:rPr lang="pt-PT" smtClean="0"/>
+              <a:t>16</a:t>
+            </a:fld>
+            <a:endParaRPr lang="pt-PT"/>
           </a:p>
         </p:txBody>
       </p:sp>
@@ -6070,10 +7291,100 @@
       </p:grpSpPr>
       <p:sp>
         <p:nvSpPr>
+          <p:cNvPr id="8" name="Retângulo 7">
+            <a:extLst>
+              <a:ext uri="{FF2B5EF4-FFF2-40B4-BE49-F238E27FC236}">
+                <a16:creationId xmlns:a16="http://schemas.microsoft.com/office/drawing/2014/main" id="{47B97C88-E38C-46C4-9B6D-49A399B0814F}"/>
+              </a:ext>
+            </a:extLst>
+          </p:cNvPr>
+          <p:cNvSpPr/>
+          <p:nvPr/>
+        </p:nvSpPr>
+        <p:spPr>
+          <a:xfrm>
+            <a:off x="1168400" y="1524000"/>
+            <a:ext cx="10097477" cy="450850"/>
+          </a:xfrm>
+          <a:prstGeom prst="rect">
+            <a:avLst/>
+          </a:prstGeom>
+          <a:solidFill>
+            <a:schemeClr val="bg1"/>
+          </a:solidFill>
+          <a:ln>
+            <a:solidFill>
+              <a:schemeClr val="bg1"/>
+            </a:solidFill>
+          </a:ln>
+        </p:spPr>
+        <p:style>
+          <a:lnRef idx="2">
+            <a:schemeClr val="accent1">
+              <a:shade val="50000"/>
+            </a:schemeClr>
+          </a:lnRef>
+          <a:fillRef idx="1">
+            <a:schemeClr val="accent1"/>
+          </a:fillRef>
+          <a:effectRef idx="0">
+            <a:schemeClr val="accent1"/>
+          </a:effectRef>
+          <a:fontRef idx="minor">
+            <a:schemeClr val="lt1"/>
+          </a:fontRef>
+        </p:style>
+        <p:txBody>
+          <a:bodyPr rtlCol="0" anchor="ctr"/>
+          <a:lstStyle/>
+          <a:p>
+            <a:pPr algn="ctr"/>
+            <a:endParaRPr lang="pt-PT"/>
+          </a:p>
+        </p:txBody>
+      </p:sp>
+      <p:cxnSp>
+        <p:nvCxnSpPr>
+          <p:cNvPr id="9" name="Conexão reta 8">
+            <a:extLst>
+              <a:ext uri="{FF2B5EF4-FFF2-40B4-BE49-F238E27FC236}">
+                <a16:creationId xmlns:a16="http://schemas.microsoft.com/office/drawing/2014/main" id="{E3449DE1-018C-479F-8D14-23FE7C485629}"/>
+              </a:ext>
+            </a:extLst>
+          </p:cNvPr>
+          <p:cNvCxnSpPr/>
+          <p:nvPr/>
+        </p:nvCxnSpPr>
+        <p:spPr>
+          <a:xfrm>
+            <a:off x="980181" y="1170958"/>
+            <a:ext cx="10025508" cy="0"/>
+          </a:xfrm>
+          <a:prstGeom prst="line">
+            <a:avLst/>
+          </a:prstGeom>
+        </p:spPr>
+        <p:style>
+          <a:lnRef idx="1">
+            <a:schemeClr val="accent1"/>
+          </a:lnRef>
+          <a:fillRef idx="0">
+            <a:schemeClr val="accent1"/>
+          </a:fillRef>
+          <a:effectRef idx="0">
+            <a:schemeClr val="accent1"/>
+          </a:effectRef>
+          <a:fontRef idx="minor">
+            <a:schemeClr val="tx1"/>
+          </a:fontRef>
+        </p:style>
+      </p:cxnSp>
+      <p:sp>
+        <p:nvSpPr>
           <p:cNvPr id="2" name="Título 1">
             <a:extLst>
               <a:ext uri="{FF2B5EF4-FFF2-40B4-BE49-F238E27FC236}">
-                <a16:creationId xmlns:a16="http://schemas.microsoft.com/office/drawing/2014/main" xmlns="" id="{0CD0E5AA-3691-452D-BFE8-767F37A92681}"/>
+                <a16:creationId xmlns:a16="http://schemas.microsoft.com/office/drawing/2014/main" id="{0CD0E5AA-3691-452D-BFE8-767F37A92681}"/>
               </a:ext>
             </a:extLst>
           </p:cNvPr>
@@ -6084,9 +7395,16 @@
             <p:ph type="title"/>
           </p:nvPr>
         </p:nvSpPr>
-        <p:spPr/>
-        <p:txBody>
-          <a:bodyPr/>
+        <p:spPr>
+          <a:xfrm>
+            <a:off x="410817" y="387038"/>
+            <a:ext cx="5059680" cy="783920"/>
+          </a:xfrm>
+        </p:spPr>
+        <p:txBody>
+          <a:bodyPr>
+            <a:normAutofit/>
+          </a:bodyPr>
           <a:lstStyle/>
           <a:p>
             <a:pPr algn="ctr"/>
@@ -6102,7 +7420,7 @@
           <p:cNvPr id="12290" name="Picture 2" descr="https://cdn.discordapp.com/attachments/501033052735143939/506260194528067604/Gerador_de_treino.png">
             <a:extLst>
               <a:ext uri="{FF2B5EF4-FFF2-40B4-BE49-F238E27FC236}">
-                <a16:creationId xmlns:a16="http://schemas.microsoft.com/office/drawing/2014/main" xmlns="" id="{E7998C05-B953-44E0-A417-D295EBE710E6}"/>
+                <a16:creationId xmlns:a16="http://schemas.microsoft.com/office/drawing/2014/main" id="{E7998C05-B953-44E0-A417-D295EBE710E6}"/>
               </a:ext>
             </a:extLst>
           </p:cNvPr>
@@ -6156,7 +7474,7 @@
           <p:cNvPr id="12292" name="Picture 4" descr="https://cdn.discordapp.com/attachments/501033052735143939/506260203491164185/Acompanhamento_treino.png">
             <a:extLst>
               <a:ext uri="{FF2B5EF4-FFF2-40B4-BE49-F238E27FC236}">
-                <a16:creationId xmlns:a16="http://schemas.microsoft.com/office/drawing/2014/main" xmlns="" id="{27F31518-0A41-4562-BA90-989E92F777AF}"/>
+                <a16:creationId xmlns:a16="http://schemas.microsoft.com/office/drawing/2014/main" id="{27F31518-0A41-4562-BA90-989E92F777AF}"/>
               </a:ext>
             </a:extLst>
           </p:cNvPr>
@@ -6272,6 +7590,35 @@
               </a:rPr>
               <a:t>(acompanhamento de treino)</a:t>
             </a:r>
+          </a:p>
+        </p:txBody>
+      </p:sp>
+      <p:sp>
+        <p:nvSpPr>
+          <p:cNvPr id="3" name="Marcador de Posição do Número do Diapositivo 2">
+            <a:extLst>
+              <a:ext uri="{FF2B5EF4-FFF2-40B4-BE49-F238E27FC236}">
+                <a16:creationId xmlns:a16="http://schemas.microsoft.com/office/drawing/2014/main" id="{02714772-5EB7-444D-A83F-FFD2D4037F58}"/>
+              </a:ext>
+            </a:extLst>
+          </p:cNvPr>
+          <p:cNvSpPr>
+            <a:spLocks noGrp="1"/>
+          </p:cNvSpPr>
+          <p:nvPr>
+            <p:ph type="sldNum" sz="quarter" idx="12"/>
+          </p:nvPr>
+        </p:nvSpPr>
+        <p:spPr/>
+        <p:txBody>
+          <a:bodyPr/>
+          <a:lstStyle/>
+          <a:p>
+            <a:fld id="{53E772C5-4D62-40D5-ADDC-ACB024CB723F}" type="slidenum">
+              <a:rPr lang="pt-PT" smtClean="0"/>
+              <a:t>17</a:t>
+            </a:fld>
+            <a:endParaRPr lang="pt-PT"/>
           </a:p>
         </p:txBody>
       </p:sp>
@@ -6307,10 +7654,100 @@
       </p:grpSpPr>
       <p:sp>
         <p:nvSpPr>
+          <p:cNvPr id="5" name="Retângulo 4">
+            <a:extLst>
+              <a:ext uri="{FF2B5EF4-FFF2-40B4-BE49-F238E27FC236}">
+                <a16:creationId xmlns:a16="http://schemas.microsoft.com/office/drawing/2014/main" id="{097DFD3C-9214-4437-91CC-9E622A0A1338}"/>
+              </a:ext>
+            </a:extLst>
+          </p:cNvPr>
+          <p:cNvSpPr/>
+          <p:nvPr/>
+        </p:nvSpPr>
+        <p:spPr>
+          <a:xfrm>
+            <a:off x="1168400" y="1524000"/>
+            <a:ext cx="10097477" cy="450850"/>
+          </a:xfrm>
+          <a:prstGeom prst="rect">
+            <a:avLst/>
+          </a:prstGeom>
+          <a:solidFill>
+            <a:schemeClr val="bg1"/>
+          </a:solidFill>
+          <a:ln>
+            <a:solidFill>
+              <a:schemeClr val="bg1"/>
+            </a:solidFill>
+          </a:ln>
+        </p:spPr>
+        <p:style>
+          <a:lnRef idx="2">
+            <a:schemeClr val="accent1">
+              <a:shade val="50000"/>
+            </a:schemeClr>
+          </a:lnRef>
+          <a:fillRef idx="1">
+            <a:schemeClr val="accent1"/>
+          </a:fillRef>
+          <a:effectRef idx="0">
+            <a:schemeClr val="accent1"/>
+          </a:effectRef>
+          <a:fontRef idx="minor">
+            <a:schemeClr val="lt1"/>
+          </a:fontRef>
+        </p:style>
+        <p:txBody>
+          <a:bodyPr rtlCol="0" anchor="ctr"/>
+          <a:lstStyle/>
+          <a:p>
+            <a:pPr algn="ctr"/>
+            <a:endParaRPr lang="pt-PT"/>
+          </a:p>
+        </p:txBody>
+      </p:sp>
+      <p:cxnSp>
+        <p:nvCxnSpPr>
+          <p:cNvPr id="7" name="Conexão reta 6">
+            <a:extLst>
+              <a:ext uri="{FF2B5EF4-FFF2-40B4-BE49-F238E27FC236}">
+                <a16:creationId xmlns:a16="http://schemas.microsoft.com/office/drawing/2014/main" id="{E99B5BFD-C751-45FD-92A0-1FB01B229664}"/>
+              </a:ext>
+            </a:extLst>
+          </p:cNvPr>
+          <p:cNvCxnSpPr/>
+          <p:nvPr/>
+        </p:nvCxnSpPr>
+        <p:spPr>
+          <a:xfrm>
+            <a:off x="980181" y="1170958"/>
+            <a:ext cx="10025508" cy="0"/>
+          </a:xfrm>
+          <a:prstGeom prst="line">
+            <a:avLst/>
+          </a:prstGeom>
+        </p:spPr>
+        <p:style>
+          <a:lnRef idx="1">
+            <a:schemeClr val="accent1"/>
+          </a:lnRef>
+          <a:fillRef idx="0">
+            <a:schemeClr val="accent1"/>
+          </a:fillRef>
+          <a:effectRef idx="0">
+            <a:schemeClr val="accent1"/>
+          </a:effectRef>
+          <a:fontRef idx="minor">
+            <a:schemeClr val="tx1"/>
+          </a:fontRef>
+        </p:style>
+      </p:cxnSp>
+      <p:sp>
+        <p:nvSpPr>
           <p:cNvPr id="2" name="Título 1">
             <a:extLst>
               <a:ext uri="{FF2B5EF4-FFF2-40B4-BE49-F238E27FC236}">
-                <a16:creationId xmlns:a16="http://schemas.microsoft.com/office/drawing/2014/main" xmlns="" id="{31E682EF-CD60-4829-AE31-3A2C4183D284}"/>
+                <a16:creationId xmlns:a16="http://schemas.microsoft.com/office/drawing/2014/main" id="{31E682EF-CD60-4829-AE31-3A2C4183D284}"/>
               </a:ext>
             </a:extLst>
           </p:cNvPr>
@@ -6321,7 +7758,12 @@
             <p:ph type="title"/>
           </p:nvPr>
         </p:nvSpPr>
-        <p:spPr/>
+        <p:spPr>
+          <a:xfrm>
+            <a:off x="781879" y="241982"/>
+            <a:ext cx="7670358" cy="928976"/>
+          </a:xfrm>
+        </p:spPr>
         <p:txBody>
           <a:bodyPr/>
           <a:lstStyle/>
@@ -6339,7 +7781,7 @@
           <p:cNvPr id="6" name="Marcador de Posição de Conteúdo 5">
             <a:extLst>
               <a:ext uri="{FF2B5EF4-FFF2-40B4-BE49-F238E27FC236}">
-                <a16:creationId xmlns:a16="http://schemas.microsoft.com/office/drawing/2014/main" xmlns="" id="{32C72D0F-B855-4BF3-A0BD-A31C5EEAC986}"/>
+                <a16:creationId xmlns:a16="http://schemas.microsoft.com/office/drawing/2014/main" id="{32C72D0F-B855-4BF3-A0BD-A31C5EEAC986}"/>
               </a:ext>
             </a:extLst>
           </p:cNvPr>
@@ -6379,7 +7821,7 @@
           <p:cNvPr id="8" name="CaixaDeTexto 7">
             <a:extLst>
               <a:ext uri="{FF2B5EF4-FFF2-40B4-BE49-F238E27FC236}">
-                <a16:creationId xmlns:a16="http://schemas.microsoft.com/office/drawing/2014/main" xmlns="" id="{6BF2B5E6-29C3-465C-A874-FC572F80B8BB}"/>
+                <a16:creationId xmlns:a16="http://schemas.microsoft.com/office/drawing/2014/main" id="{6BF2B5E6-29C3-465C-A874-FC572F80B8BB}"/>
               </a:ext>
             </a:extLst>
           </p:cNvPr>
@@ -6413,6 +7855,35 @@
               </a:rPr>
               <a:t>(locais de treino)</a:t>
             </a:r>
+          </a:p>
+        </p:txBody>
+      </p:sp>
+      <p:sp>
+        <p:nvSpPr>
+          <p:cNvPr id="3" name="Marcador de Posição do Número do Diapositivo 2">
+            <a:extLst>
+              <a:ext uri="{FF2B5EF4-FFF2-40B4-BE49-F238E27FC236}">
+                <a16:creationId xmlns:a16="http://schemas.microsoft.com/office/drawing/2014/main" id="{46EBEC6C-551B-476C-B0DC-3A05E83CA65E}"/>
+              </a:ext>
+            </a:extLst>
+          </p:cNvPr>
+          <p:cNvSpPr>
+            <a:spLocks noGrp="1"/>
+          </p:cNvSpPr>
+          <p:nvPr>
+            <p:ph type="sldNum" sz="quarter" idx="12"/>
+          </p:nvPr>
+        </p:nvSpPr>
+        <p:spPr/>
+        <p:txBody>
+          <a:bodyPr/>
+          <a:lstStyle/>
+          <a:p>
+            <a:fld id="{53E772C5-4D62-40D5-ADDC-ACB024CB723F}" type="slidenum">
+              <a:rPr lang="pt-PT" smtClean="0"/>
+              <a:t>18</a:t>
+            </a:fld>
+            <a:endParaRPr lang="pt-PT"/>
           </a:p>
         </p:txBody>
       </p:sp>
@@ -6451,7 +7922,7 @@
           <p:cNvPr id="4" name="Retângulo 3">
             <a:extLst>
               <a:ext uri="{FF2B5EF4-FFF2-40B4-BE49-F238E27FC236}">
-                <a16:creationId xmlns:a16="http://schemas.microsoft.com/office/drawing/2014/main" xmlns="" id="{9697B992-F228-4D91-9E2C-58FA4D97F1A7}"/>
+                <a16:creationId xmlns:a16="http://schemas.microsoft.com/office/drawing/2014/main" id="{9697B992-F228-4D91-9E2C-58FA4D97F1A7}"/>
               </a:ext>
             </a:extLst>
           </p:cNvPr>
@@ -6505,7 +7976,7 @@
           <p:cNvPr id="2" name="Título 1">
             <a:extLst>
               <a:ext uri="{FF2B5EF4-FFF2-40B4-BE49-F238E27FC236}">
-                <a16:creationId xmlns:a16="http://schemas.microsoft.com/office/drawing/2014/main" xmlns="" id="{9D0D3050-21A0-416C-980C-46317194F5B0}"/>
+                <a16:creationId xmlns:a16="http://schemas.microsoft.com/office/drawing/2014/main" id="{9D0D3050-21A0-416C-980C-46317194F5B0}"/>
               </a:ext>
             </a:extLst>
           </p:cNvPr>
@@ -6539,7 +8010,7 @@
           <p:cNvPr id="3" name="Marcador de Posição de Conteúdo 2">
             <a:extLst>
               <a:ext uri="{FF2B5EF4-FFF2-40B4-BE49-F238E27FC236}">
-                <a16:creationId xmlns:a16="http://schemas.microsoft.com/office/drawing/2014/main" xmlns="" id="{385E5EA2-1171-427C-BFA6-F4652FE4C6F8}"/>
+                <a16:creationId xmlns:a16="http://schemas.microsoft.com/office/drawing/2014/main" id="{385E5EA2-1171-427C-BFA6-F4652FE4C6F8}"/>
               </a:ext>
             </a:extLst>
           </p:cNvPr>
@@ -6626,7 +8097,7 @@
           <p:cNvPr id="6" name="Marcador de Posição de Conteúdo 2">
             <a:extLst>
               <a:ext uri="{FF2B5EF4-FFF2-40B4-BE49-F238E27FC236}">
-                <a16:creationId xmlns:a16="http://schemas.microsoft.com/office/drawing/2014/main" xmlns="" id="{83570D7F-6D99-4DA4-B308-64488A6E6AFC}"/>
+                <a16:creationId xmlns:a16="http://schemas.microsoft.com/office/drawing/2014/main" id="{83570D7F-6D99-4DA4-B308-64488A6E6AFC}"/>
               </a:ext>
             </a:extLst>
           </p:cNvPr>
@@ -6910,7 +8381,7 @@
           <p:cNvPr id="7" name="Conexão reta 6">
             <a:extLst>
               <a:ext uri="{FF2B5EF4-FFF2-40B4-BE49-F238E27FC236}">
-                <a16:creationId xmlns:a16="http://schemas.microsoft.com/office/drawing/2014/main" xmlns="" id="{E456F476-D22F-431F-B6D9-8A6D37703EF6}"/>
+                <a16:creationId xmlns:a16="http://schemas.microsoft.com/office/drawing/2014/main" id="{E456F476-D22F-431F-B6D9-8A6D37703EF6}"/>
               </a:ext>
             </a:extLst>
           </p:cNvPr>
@@ -6946,7 +8417,7 @@
           <p:cNvPr id="8" name="Marcador de Posição de Conteúdo 2">
             <a:extLst>
               <a:ext uri="{FF2B5EF4-FFF2-40B4-BE49-F238E27FC236}">
-                <a16:creationId xmlns:a16="http://schemas.microsoft.com/office/drawing/2014/main" xmlns="" id="{FEECF4B2-7387-4990-BC0F-6CBC8B0B0E52}"/>
+                <a16:creationId xmlns:a16="http://schemas.microsoft.com/office/drawing/2014/main" id="{FEECF4B2-7387-4990-BC0F-6CBC8B0B0E52}"/>
               </a:ext>
             </a:extLst>
           </p:cNvPr>
@@ -7168,6 +8639,35 @@
               </a:rPr>
               <a:t>Ajudar o utilizador a perder peso através de atividades dinâmicas.</a:t>
             </a:r>
+          </a:p>
+        </p:txBody>
+      </p:sp>
+      <p:sp>
+        <p:nvSpPr>
+          <p:cNvPr id="5" name="Marcador de Posição do Número do Diapositivo 4">
+            <a:extLst>
+              <a:ext uri="{FF2B5EF4-FFF2-40B4-BE49-F238E27FC236}">
+                <a16:creationId xmlns:a16="http://schemas.microsoft.com/office/drawing/2014/main" id="{E630C252-A266-45E9-92ED-040013350302}"/>
+              </a:ext>
+            </a:extLst>
+          </p:cNvPr>
+          <p:cNvSpPr>
+            <a:spLocks noGrp="1"/>
+          </p:cNvSpPr>
+          <p:nvPr>
+            <p:ph type="sldNum" sz="quarter" idx="12"/>
+          </p:nvPr>
+        </p:nvSpPr>
+        <p:spPr/>
+        <p:txBody>
+          <a:bodyPr/>
+          <a:lstStyle/>
+          <a:p>
+            <a:fld id="{53E772C5-4D62-40D5-ADDC-ACB024CB723F}" type="slidenum">
+              <a:rPr lang="pt-PT" smtClean="0"/>
+              <a:t>2</a:t>
+            </a:fld>
+            <a:endParaRPr lang="pt-PT"/>
           </a:p>
         </p:txBody>
       </p:sp>
@@ -7206,7 +8706,7 @@
           <p:cNvPr id="5" name="Retângulo 4">
             <a:extLst>
               <a:ext uri="{FF2B5EF4-FFF2-40B4-BE49-F238E27FC236}">
-                <a16:creationId xmlns:a16="http://schemas.microsoft.com/office/drawing/2014/main" xmlns="" id="{88E65319-28DD-41B1-A108-A6FD19DD8D81}"/>
+                <a16:creationId xmlns:a16="http://schemas.microsoft.com/office/drawing/2014/main" id="{88E65319-28DD-41B1-A108-A6FD19DD8D81}"/>
               </a:ext>
             </a:extLst>
           </p:cNvPr>
@@ -7260,7 +8760,7 @@
           <p:cNvPr id="9" name="Marcador de Posição de Conteúdo 2">
             <a:extLst>
               <a:ext uri="{FF2B5EF4-FFF2-40B4-BE49-F238E27FC236}">
-                <a16:creationId xmlns:a16="http://schemas.microsoft.com/office/drawing/2014/main" xmlns="" id="{B102FBB5-282E-4795-9AEE-307B42F646DF}"/>
+                <a16:creationId xmlns:a16="http://schemas.microsoft.com/office/drawing/2014/main" id="{B102FBB5-282E-4795-9AEE-307B42F646DF}"/>
               </a:ext>
             </a:extLst>
           </p:cNvPr>
@@ -7509,7 +9009,7 @@
           <p:cNvPr id="10" name="Título 1">
             <a:extLst>
               <a:ext uri="{FF2B5EF4-FFF2-40B4-BE49-F238E27FC236}">
-                <a16:creationId xmlns:a16="http://schemas.microsoft.com/office/drawing/2014/main" xmlns="" id="{D45E0157-A1C1-4459-B3E9-8947CB0CA6E4}"/>
+                <a16:creationId xmlns:a16="http://schemas.microsoft.com/office/drawing/2014/main" id="{D45E0157-A1C1-4459-B3E9-8947CB0CA6E4}"/>
               </a:ext>
             </a:extLst>
           </p:cNvPr>
@@ -7543,7 +9043,7 @@
           <p:cNvPr id="11" name="Conexão reta 10">
             <a:extLst>
               <a:ext uri="{FF2B5EF4-FFF2-40B4-BE49-F238E27FC236}">
-                <a16:creationId xmlns:a16="http://schemas.microsoft.com/office/drawing/2014/main" xmlns="" id="{95B30BBE-8681-4656-A274-780B0D420EA3}"/>
+                <a16:creationId xmlns:a16="http://schemas.microsoft.com/office/drawing/2014/main" id="{95B30BBE-8681-4656-A274-780B0D420EA3}"/>
               </a:ext>
             </a:extLst>
           </p:cNvPr>
@@ -7579,7 +9079,7 @@
           <p:cNvPr id="12" name="Marcador de Posição de Conteúdo 2">
             <a:extLst>
               <a:ext uri="{FF2B5EF4-FFF2-40B4-BE49-F238E27FC236}">
-                <a16:creationId xmlns:a16="http://schemas.microsoft.com/office/drawing/2014/main" xmlns="" id="{10F73E80-55A0-45B0-B6FB-11D4A8DB4935}"/>
+                <a16:creationId xmlns:a16="http://schemas.microsoft.com/office/drawing/2014/main" id="{10F73E80-55A0-45B0-B6FB-11D4A8DB4935}"/>
               </a:ext>
             </a:extLst>
           </p:cNvPr>
@@ -7599,7 +9099,7 @@
         </p:spPr>
         <p:txBody>
           <a:bodyPr vert="horz" lIns="91440" tIns="45720" rIns="91440" bIns="45720" rtlCol="0">
-            <a:normAutofit lnSpcReduction="10000"/>
+            <a:normAutofit/>
           </a:bodyPr>
           <a:lstStyle>
             <a:lvl1pPr marL="228600" indent="-228600" algn="l" defTabSz="914400" rtl="0" eaLnBrk="1" latinLnBrk="0" hangingPunct="1">
@@ -8139,6 +9639,35 @@
               </a:rPr>
               <a:t>)</a:t>
             </a:r>
+          </a:p>
+        </p:txBody>
+      </p:sp>
+      <p:sp>
+        <p:nvSpPr>
+          <p:cNvPr id="2" name="Marcador de Posição do Número do Diapositivo 1">
+            <a:extLst>
+              <a:ext uri="{FF2B5EF4-FFF2-40B4-BE49-F238E27FC236}">
+                <a16:creationId xmlns:a16="http://schemas.microsoft.com/office/drawing/2014/main" id="{D1746A0F-5C3A-46C4-9EDF-E3573B99068B}"/>
+              </a:ext>
+            </a:extLst>
+          </p:cNvPr>
+          <p:cNvSpPr>
+            <a:spLocks noGrp="1"/>
+          </p:cNvSpPr>
+          <p:nvPr>
+            <p:ph type="sldNum" sz="quarter" idx="12"/>
+          </p:nvPr>
+        </p:nvSpPr>
+        <p:spPr/>
+        <p:txBody>
+          <a:bodyPr/>
+          <a:lstStyle/>
+          <a:p>
+            <a:fld id="{53E772C5-4D62-40D5-ADDC-ACB024CB723F}" type="slidenum">
+              <a:rPr lang="pt-PT" smtClean="0"/>
+              <a:t>3</a:t>
+            </a:fld>
+            <a:endParaRPr lang="pt-PT"/>
           </a:p>
         </p:txBody>
       </p:sp>
@@ -8177,7 +9706,7 @@
           <p:cNvPr id="4" name="Retângulo 3">
             <a:extLst>
               <a:ext uri="{FF2B5EF4-FFF2-40B4-BE49-F238E27FC236}">
-                <a16:creationId xmlns:a16="http://schemas.microsoft.com/office/drawing/2014/main" xmlns="" id="{FE634C04-9001-43F4-BE19-38F153FA9B93}"/>
+                <a16:creationId xmlns:a16="http://schemas.microsoft.com/office/drawing/2014/main" id="{FE634C04-9001-43F4-BE19-38F153FA9B93}"/>
               </a:ext>
             </a:extLst>
           </p:cNvPr>
@@ -8231,7 +9760,7 @@
           <p:cNvPr id="11" name="Título 1">
             <a:extLst>
               <a:ext uri="{FF2B5EF4-FFF2-40B4-BE49-F238E27FC236}">
-                <a16:creationId xmlns:a16="http://schemas.microsoft.com/office/drawing/2014/main" xmlns="" id="{F36B1995-2E0E-42FD-99DE-3D7A144B51A3}"/>
+                <a16:creationId xmlns:a16="http://schemas.microsoft.com/office/drawing/2014/main" id="{F36B1995-2E0E-42FD-99DE-3D7A144B51A3}"/>
               </a:ext>
             </a:extLst>
           </p:cNvPr>
@@ -8265,7 +9794,7 @@
           <p:cNvPr id="12" name="Conexão reta 11">
             <a:extLst>
               <a:ext uri="{FF2B5EF4-FFF2-40B4-BE49-F238E27FC236}">
-                <a16:creationId xmlns:a16="http://schemas.microsoft.com/office/drawing/2014/main" xmlns="" id="{DE44D691-640C-4621-8B54-03D024A7DD1D}"/>
+                <a16:creationId xmlns:a16="http://schemas.microsoft.com/office/drawing/2014/main" id="{DE44D691-640C-4621-8B54-03D024A7DD1D}"/>
               </a:ext>
             </a:extLst>
           </p:cNvPr>
@@ -8301,7 +9830,7 @@
           <p:cNvPr id="6" name="Marcador de Posição de Conteúdo 2">
             <a:extLst>
               <a:ext uri="{FF2B5EF4-FFF2-40B4-BE49-F238E27FC236}">
-                <a16:creationId xmlns:a16="http://schemas.microsoft.com/office/drawing/2014/main" xmlns="" id="{0E56BBF4-F039-4FF1-83B0-E04E37B7AA00}"/>
+                <a16:creationId xmlns:a16="http://schemas.microsoft.com/office/drawing/2014/main" id="{0E56BBF4-F039-4FF1-83B0-E04E37B7AA00}"/>
               </a:ext>
             </a:extLst>
           </p:cNvPr>
@@ -8813,6 +10342,35 @@
               </a:rPr>
               <a:t>” </a:t>
             </a:r>
+          </a:p>
+        </p:txBody>
+      </p:sp>
+      <p:sp>
+        <p:nvSpPr>
+          <p:cNvPr id="2" name="Marcador de Posição do Número do Diapositivo 1">
+            <a:extLst>
+              <a:ext uri="{FF2B5EF4-FFF2-40B4-BE49-F238E27FC236}">
+                <a16:creationId xmlns:a16="http://schemas.microsoft.com/office/drawing/2014/main" id="{A32DEB1A-160B-4FE3-9458-E73BD0B69F76}"/>
+              </a:ext>
+            </a:extLst>
+          </p:cNvPr>
+          <p:cNvSpPr>
+            <a:spLocks noGrp="1"/>
+          </p:cNvSpPr>
+          <p:nvPr>
+            <p:ph type="sldNum" sz="quarter" idx="12"/>
+          </p:nvPr>
+        </p:nvSpPr>
+        <p:spPr/>
+        <p:txBody>
+          <a:bodyPr/>
+          <a:lstStyle/>
+          <a:p>
+            <a:fld id="{53E772C5-4D62-40D5-ADDC-ACB024CB723F}" type="slidenum">
+              <a:rPr lang="pt-PT" smtClean="0"/>
+              <a:t>4</a:t>
+            </a:fld>
+            <a:endParaRPr lang="pt-PT"/>
           </a:p>
         </p:txBody>
       </p:sp>
@@ -8851,7 +10409,7 @@
           <p:cNvPr id="4" name="Retângulo 3">
             <a:extLst>
               <a:ext uri="{FF2B5EF4-FFF2-40B4-BE49-F238E27FC236}">
-                <a16:creationId xmlns:a16="http://schemas.microsoft.com/office/drawing/2014/main" xmlns="" id="{A82B940F-99DD-4EFE-A23C-024C0B7FE8D6}"/>
+                <a16:creationId xmlns:a16="http://schemas.microsoft.com/office/drawing/2014/main" id="{A82B940F-99DD-4EFE-A23C-024C0B7FE8D6}"/>
               </a:ext>
             </a:extLst>
           </p:cNvPr>
@@ -8905,7 +10463,7 @@
           <p:cNvPr id="3" name="Marcador de Posição de Conteúdo 2">
             <a:extLst>
               <a:ext uri="{FF2B5EF4-FFF2-40B4-BE49-F238E27FC236}">
-                <a16:creationId xmlns:a16="http://schemas.microsoft.com/office/drawing/2014/main" xmlns="" id="{45350599-C90A-460E-95A7-22276176863F}"/>
+                <a16:creationId xmlns:a16="http://schemas.microsoft.com/office/drawing/2014/main" id="{45350599-C90A-460E-95A7-22276176863F}"/>
               </a:ext>
             </a:extLst>
           </p:cNvPr>
@@ -9136,7 +10694,7 @@
           <p:cNvPr id="7" name="Título 1">
             <a:extLst>
               <a:ext uri="{FF2B5EF4-FFF2-40B4-BE49-F238E27FC236}">
-                <a16:creationId xmlns:a16="http://schemas.microsoft.com/office/drawing/2014/main" xmlns="" id="{2786D722-A3C3-4B06-BB4F-5D5C3BE2E184}"/>
+                <a16:creationId xmlns:a16="http://schemas.microsoft.com/office/drawing/2014/main" id="{2786D722-A3C3-4B06-BB4F-5D5C3BE2E184}"/>
               </a:ext>
             </a:extLst>
           </p:cNvPr>
@@ -9170,7 +10728,7 @@
           <p:cNvPr id="8" name="Conexão reta 7">
             <a:extLst>
               <a:ext uri="{FF2B5EF4-FFF2-40B4-BE49-F238E27FC236}">
-                <a16:creationId xmlns:a16="http://schemas.microsoft.com/office/drawing/2014/main" xmlns="" id="{C4FD6532-A79C-4998-B82D-5B4CD6BF9C94}"/>
+                <a16:creationId xmlns:a16="http://schemas.microsoft.com/office/drawing/2014/main" id="{C4FD6532-A79C-4998-B82D-5B4CD6BF9C94}"/>
               </a:ext>
             </a:extLst>
           </p:cNvPr>
@@ -9206,7 +10764,7 @@
           <p:cNvPr id="2" name="AutoShape 2" descr="https://lh3.googleusercontent.com/Mxu4YhAr45fbX_iBwi4LiRuSDn9G8R-C_i6PF4Oqys6TqQab2Jl7U5w4WGDtoPwhpTk=s180-rw">
             <a:extLst>
               <a:ext uri="{FF2B5EF4-FFF2-40B4-BE49-F238E27FC236}">
-                <a16:creationId xmlns:a16="http://schemas.microsoft.com/office/drawing/2014/main" xmlns="" id="{8462B6D3-2FFC-43E1-84E0-EDDF664A26B2}"/>
+                <a16:creationId xmlns:a16="http://schemas.microsoft.com/office/drawing/2014/main" id="{8462B6D3-2FFC-43E1-84E0-EDDF664A26B2}"/>
               </a:ext>
             </a:extLst>
           </p:cNvPr>
@@ -9251,7 +10809,7 @@
           <p:cNvPr id="6" name="Imagem 5">
             <a:extLst>
               <a:ext uri="{FF2B5EF4-FFF2-40B4-BE49-F238E27FC236}">
-                <a16:creationId xmlns:a16="http://schemas.microsoft.com/office/drawing/2014/main" xmlns="" id="{5B4F2E43-2EF4-4B34-81F8-4BABF1184DC3}"/>
+                <a16:creationId xmlns:a16="http://schemas.microsoft.com/office/drawing/2014/main" id="{5B4F2E43-2EF4-4B34-81F8-4BABF1184DC3}"/>
               </a:ext>
             </a:extLst>
           </p:cNvPr>
@@ -9287,7 +10845,7 @@
           <p:cNvPr id="10" name="Imagem 9">
             <a:extLst>
               <a:ext uri="{FF2B5EF4-FFF2-40B4-BE49-F238E27FC236}">
-                <a16:creationId xmlns:a16="http://schemas.microsoft.com/office/drawing/2014/main" xmlns="" id="{7B462591-EADE-43CF-B309-92077EB89451}"/>
+                <a16:creationId xmlns:a16="http://schemas.microsoft.com/office/drawing/2014/main" id="{7B462591-EADE-43CF-B309-92077EB89451}"/>
               </a:ext>
             </a:extLst>
           </p:cNvPr>
@@ -9323,7 +10881,7 @@
           <p:cNvPr id="12" name="Imagem 11">
             <a:extLst>
               <a:ext uri="{FF2B5EF4-FFF2-40B4-BE49-F238E27FC236}">
-                <a16:creationId xmlns:a16="http://schemas.microsoft.com/office/drawing/2014/main" xmlns="" id="{A3402C14-7729-446F-8B52-7D1C417ACCE9}"/>
+                <a16:creationId xmlns:a16="http://schemas.microsoft.com/office/drawing/2014/main" id="{A3402C14-7729-446F-8B52-7D1C417ACCE9}"/>
               </a:ext>
             </a:extLst>
           </p:cNvPr>
@@ -9354,6 +10912,35 @@
           </a:prstGeom>
         </p:spPr>
       </p:pic>
+      <p:sp>
+        <p:nvSpPr>
+          <p:cNvPr id="5" name="Marcador de Posição do Número do Diapositivo 4">
+            <a:extLst>
+              <a:ext uri="{FF2B5EF4-FFF2-40B4-BE49-F238E27FC236}">
+                <a16:creationId xmlns:a16="http://schemas.microsoft.com/office/drawing/2014/main" id="{E4AE3EE8-BC51-4D21-AA76-5CD1F3D09E1F}"/>
+              </a:ext>
+            </a:extLst>
+          </p:cNvPr>
+          <p:cNvSpPr>
+            <a:spLocks noGrp="1"/>
+          </p:cNvSpPr>
+          <p:nvPr>
+            <p:ph type="sldNum" sz="quarter" idx="12"/>
+          </p:nvPr>
+        </p:nvSpPr>
+        <p:spPr/>
+        <p:txBody>
+          <a:bodyPr/>
+          <a:lstStyle/>
+          <a:p>
+            <a:fld id="{53E772C5-4D62-40D5-ADDC-ACB024CB723F}" type="slidenum">
+              <a:rPr lang="pt-PT" smtClean="0"/>
+              <a:t>5</a:t>
+            </a:fld>
+            <a:endParaRPr lang="pt-PT"/>
+          </a:p>
+        </p:txBody>
+      </p:sp>
     </p:spTree>
     <p:extLst>
       <p:ext uri="{BB962C8B-B14F-4D97-AF65-F5344CB8AC3E}">
@@ -9389,7 +10976,7 @@
           <p:cNvPr id="4" name="Retângulo 3">
             <a:extLst>
               <a:ext uri="{FF2B5EF4-FFF2-40B4-BE49-F238E27FC236}">
-                <a16:creationId xmlns:a16="http://schemas.microsoft.com/office/drawing/2014/main" xmlns="" id="{A82B940F-99DD-4EFE-A23C-024C0B7FE8D6}"/>
+                <a16:creationId xmlns:a16="http://schemas.microsoft.com/office/drawing/2014/main" id="{A82B940F-99DD-4EFE-A23C-024C0B7FE8D6}"/>
               </a:ext>
             </a:extLst>
           </p:cNvPr>
@@ -9443,7 +11030,7 @@
           <p:cNvPr id="7" name="Título 1">
             <a:extLst>
               <a:ext uri="{FF2B5EF4-FFF2-40B4-BE49-F238E27FC236}">
-                <a16:creationId xmlns:a16="http://schemas.microsoft.com/office/drawing/2014/main" xmlns="" id="{2786D722-A3C3-4B06-BB4F-5D5C3BE2E184}"/>
+                <a16:creationId xmlns:a16="http://schemas.microsoft.com/office/drawing/2014/main" id="{2786D722-A3C3-4B06-BB4F-5D5C3BE2E184}"/>
               </a:ext>
             </a:extLst>
           </p:cNvPr>
@@ -9477,7 +11064,7 @@
           <p:cNvPr id="8" name="Conexão reta 7">
             <a:extLst>
               <a:ext uri="{FF2B5EF4-FFF2-40B4-BE49-F238E27FC236}">
-                <a16:creationId xmlns:a16="http://schemas.microsoft.com/office/drawing/2014/main" xmlns="" id="{C4FD6532-A79C-4998-B82D-5B4CD6BF9C94}"/>
+                <a16:creationId xmlns:a16="http://schemas.microsoft.com/office/drawing/2014/main" id="{C4FD6532-A79C-4998-B82D-5B4CD6BF9C94}"/>
               </a:ext>
             </a:extLst>
           </p:cNvPr>
@@ -9532,6 +11119,35 @@
           </a:prstGeom>
         </p:spPr>
       </p:pic>
+      <p:sp>
+        <p:nvSpPr>
+          <p:cNvPr id="3" name="Marcador de Posição do Número do Diapositivo 2">
+            <a:extLst>
+              <a:ext uri="{FF2B5EF4-FFF2-40B4-BE49-F238E27FC236}">
+                <a16:creationId xmlns:a16="http://schemas.microsoft.com/office/drawing/2014/main" id="{4DBC1B25-213B-44F6-805D-7262177291F2}"/>
+              </a:ext>
+            </a:extLst>
+          </p:cNvPr>
+          <p:cNvSpPr>
+            <a:spLocks noGrp="1"/>
+          </p:cNvSpPr>
+          <p:nvPr>
+            <p:ph type="sldNum" sz="quarter" idx="12"/>
+          </p:nvPr>
+        </p:nvSpPr>
+        <p:spPr/>
+        <p:txBody>
+          <a:bodyPr/>
+          <a:lstStyle/>
+          <a:p>
+            <a:fld id="{53E772C5-4D62-40D5-ADDC-ACB024CB723F}" type="slidenum">
+              <a:rPr lang="pt-PT" smtClean="0"/>
+              <a:t>6</a:t>
+            </a:fld>
+            <a:endParaRPr lang="pt-PT"/>
+          </a:p>
+        </p:txBody>
+      </p:sp>
     </p:spTree>
     <p:extLst>
       <p:ext uri="{BB962C8B-B14F-4D97-AF65-F5344CB8AC3E}">
@@ -9567,7 +11183,7 @@
           <p:cNvPr id="4" name="Retângulo 3">
             <a:extLst>
               <a:ext uri="{FF2B5EF4-FFF2-40B4-BE49-F238E27FC236}">
-                <a16:creationId xmlns:a16="http://schemas.microsoft.com/office/drawing/2014/main" xmlns="" id="{A82B940F-99DD-4EFE-A23C-024C0B7FE8D6}"/>
+                <a16:creationId xmlns:a16="http://schemas.microsoft.com/office/drawing/2014/main" id="{A82B940F-99DD-4EFE-A23C-024C0B7FE8D6}"/>
               </a:ext>
             </a:extLst>
           </p:cNvPr>
@@ -9621,7 +11237,7 @@
           <p:cNvPr id="7" name="Título 1">
             <a:extLst>
               <a:ext uri="{FF2B5EF4-FFF2-40B4-BE49-F238E27FC236}">
-                <a16:creationId xmlns:a16="http://schemas.microsoft.com/office/drawing/2014/main" xmlns="" id="{2786D722-A3C3-4B06-BB4F-5D5C3BE2E184}"/>
+                <a16:creationId xmlns:a16="http://schemas.microsoft.com/office/drawing/2014/main" id="{2786D722-A3C3-4B06-BB4F-5D5C3BE2E184}"/>
               </a:ext>
             </a:extLst>
           </p:cNvPr>
@@ -9655,7 +11271,7 @@
           <p:cNvPr id="8" name="Conexão reta 7">
             <a:extLst>
               <a:ext uri="{FF2B5EF4-FFF2-40B4-BE49-F238E27FC236}">
-                <a16:creationId xmlns:a16="http://schemas.microsoft.com/office/drawing/2014/main" xmlns="" id="{C4FD6532-A79C-4998-B82D-5B4CD6BF9C94}"/>
+                <a16:creationId xmlns:a16="http://schemas.microsoft.com/office/drawing/2014/main" id="{C4FD6532-A79C-4998-B82D-5B4CD6BF9C94}"/>
               </a:ext>
             </a:extLst>
           </p:cNvPr>
@@ -9809,6 +11425,35 @@
           </a:prstGeom>
         </p:spPr>
       </p:pic>
+      <p:sp>
+        <p:nvSpPr>
+          <p:cNvPr id="2" name="Marcador de Posição do Número do Diapositivo 1">
+            <a:extLst>
+              <a:ext uri="{FF2B5EF4-FFF2-40B4-BE49-F238E27FC236}">
+                <a16:creationId xmlns:a16="http://schemas.microsoft.com/office/drawing/2014/main" id="{8727189A-1EAF-4085-94BC-E3E9B5FA42F0}"/>
+              </a:ext>
+            </a:extLst>
+          </p:cNvPr>
+          <p:cNvSpPr>
+            <a:spLocks noGrp="1"/>
+          </p:cNvSpPr>
+          <p:nvPr>
+            <p:ph type="sldNum" sz="quarter" idx="12"/>
+          </p:nvPr>
+        </p:nvSpPr>
+        <p:spPr/>
+        <p:txBody>
+          <a:bodyPr/>
+          <a:lstStyle/>
+          <a:p>
+            <a:fld id="{53E772C5-4D62-40D5-ADDC-ACB024CB723F}" type="slidenum">
+              <a:rPr lang="pt-PT" smtClean="0"/>
+              <a:t>7</a:t>
+            </a:fld>
+            <a:endParaRPr lang="pt-PT"/>
+          </a:p>
+        </p:txBody>
+      </p:sp>
     </p:spTree>
     <p:extLst>
       <p:ext uri="{BB962C8B-B14F-4D97-AF65-F5344CB8AC3E}">
@@ -9844,7 +11489,7 @@
           <p:cNvPr id="4" name="Retângulo 3">
             <a:extLst>
               <a:ext uri="{FF2B5EF4-FFF2-40B4-BE49-F238E27FC236}">
-                <a16:creationId xmlns:a16="http://schemas.microsoft.com/office/drawing/2014/main" xmlns="" id="{A82B940F-99DD-4EFE-A23C-024C0B7FE8D6}"/>
+                <a16:creationId xmlns:a16="http://schemas.microsoft.com/office/drawing/2014/main" id="{A82B940F-99DD-4EFE-A23C-024C0B7FE8D6}"/>
               </a:ext>
             </a:extLst>
           </p:cNvPr>
@@ -9898,7 +11543,7 @@
           <p:cNvPr id="7" name="Título 1">
             <a:extLst>
               <a:ext uri="{FF2B5EF4-FFF2-40B4-BE49-F238E27FC236}">
-                <a16:creationId xmlns:a16="http://schemas.microsoft.com/office/drawing/2014/main" xmlns="" id="{2786D722-A3C3-4B06-BB4F-5D5C3BE2E184}"/>
+                <a16:creationId xmlns:a16="http://schemas.microsoft.com/office/drawing/2014/main" id="{2786D722-A3C3-4B06-BB4F-5D5C3BE2E184}"/>
               </a:ext>
             </a:extLst>
           </p:cNvPr>
@@ -9940,7 +11585,7 @@
           <p:cNvPr id="8" name="Conexão reta 7">
             <a:extLst>
               <a:ext uri="{FF2B5EF4-FFF2-40B4-BE49-F238E27FC236}">
-                <a16:creationId xmlns:a16="http://schemas.microsoft.com/office/drawing/2014/main" xmlns="" id="{C4FD6532-A79C-4998-B82D-5B4CD6BF9C94}"/>
+                <a16:creationId xmlns:a16="http://schemas.microsoft.com/office/drawing/2014/main" id="{C4FD6532-A79C-4998-B82D-5B4CD6BF9C94}"/>
               </a:ext>
             </a:extLst>
           </p:cNvPr>
@@ -10030,6 +11675,35 @@
           </a:prstGeom>
         </p:spPr>
       </p:pic>
+      <p:sp>
+        <p:nvSpPr>
+          <p:cNvPr id="5" name="Marcador de Posição do Número do Diapositivo 4">
+            <a:extLst>
+              <a:ext uri="{FF2B5EF4-FFF2-40B4-BE49-F238E27FC236}">
+                <a16:creationId xmlns:a16="http://schemas.microsoft.com/office/drawing/2014/main" id="{C57E7007-9F44-489D-914C-72E7B771B661}"/>
+              </a:ext>
+            </a:extLst>
+          </p:cNvPr>
+          <p:cNvSpPr>
+            <a:spLocks noGrp="1"/>
+          </p:cNvSpPr>
+          <p:nvPr>
+            <p:ph type="sldNum" sz="quarter" idx="12"/>
+          </p:nvPr>
+        </p:nvSpPr>
+        <p:spPr/>
+        <p:txBody>
+          <a:bodyPr/>
+          <a:lstStyle/>
+          <a:p>
+            <a:fld id="{53E772C5-4D62-40D5-ADDC-ACB024CB723F}" type="slidenum">
+              <a:rPr lang="pt-PT" smtClean="0"/>
+              <a:t>8</a:t>
+            </a:fld>
+            <a:endParaRPr lang="pt-PT"/>
+          </a:p>
+        </p:txBody>
+      </p:sp>
     </p:spTree>
     <p:extLst>
       <p:ext uri="{BB962C8B-B14F-4D97-AF65-F5344CB8AC3E}">
@@ -10062,10 +11736,100 @@
       </p:grpSpPr>
       <p:sp>
         <p:nvSpPr>
+          <p:cNvPr id="11" name="Retângulo 10">
+            <a:extLst>
+              <a:ext uri="{FF2B5EF4-FFF2-40B4-BE49-F238E27FC236}">
+                <a16:creationId xmlns:a16="http://schemas.microsoft.com/office/drawing/2014/main" id="{0116FDA9-54C8-4499-8D48-2ACD958E7F30}"/>
+              </a:ext>
+            </a:extLst>
+          </p:cNvPr>
+          <p:cNvSpPr/>
+          <p:nvPr/>
+        </p:nvSpPr>
+        <p:spPr>
+          <a:xfrm>
+            <a:off x="1168400" y="1524000"/>
+            <a:ext cx="10097477" cy="450850"/>
+          </a:xfrm>
+          <a:prstGeom prst="rect">
+            <a:avLst/>
+          </a:prstGeom>
+          <a:solidFill>
+            <a:schemeClr val="bg1"/>
+          </a:solidFill>
+          <a:ln>
+            <a:solidFill>
+              <a:schemeClr val="bg1"/>
+            </a:solidFill>
+          </a:ln>
+        </p:spPr>
+        <p:style>
+          <a:lnRef idx="2">
+            <a:schemeClr val="accent1">
+              <a:shade val="50000"/>
+            </a:schemeClr>
+          </a:lnRef>
+          <a:fillRef idx="1">
+            <a:schemeClr val="accent1"/>
+          </a:fillRef>
+          <a:effectRef idx="0">
+            <a:schemeClr val="accent1"/>
+          </a:effectRef>
+          <a:fontRef idx="minor">
+            <a:schemeClr val="lt1"/>
+          </a:fontRef>
+        </p:style>
+        <p:txBody>
+          <a:bodyPr rtlCol="0" anchor="ctr"/>
+          <a:lstStyle/>
+          <a:p>
+            <a:pPr algn="ctr"/>
+            <a:endParaRPr lang="pt-PT"/>
+          </a:p>
+        </p:txBody>
+      </p:sp>
+      <p:cxnSp>
+        <p:nvCxnSpPr>
+          <p:cNvPr id="12" name="Conexão reta 11">
+            <a:extLst>
+              <a:ext uri="{FF2B5EF4-FFF2-40B4-BE49-F238E27FC236}">
+                <a16:creationId xmlns:a16="http://schemas.microsoft.com/office/drawing/2014/main" id="{C3BA6C1C-868D-45B2-91B6-B01243A7574C}"/>
+              </a:ext>
+            </a:extLst>
+          </p:cNvPr>
+          <p:cNvCxnSpPr/>
+          <p:nvPr/>
+        </p:nvCxnSpPr>
+        <p:spPr>
+          <a:xfrm>
+            <a:off x="980181" y="1170958"/>
+            <a:ext cx="10025508" cy="0"/>
+          </a:xfrm>
+          <a:prstGeom prst="line">
+            <a:avLst/>
+          </a:prstGeom>
+        </p:spPr>
+        <p:style>
+          <a:lnRef idx="1">
+            <a:schemeClr val="accent1"/>
+          </a:lnRef>
+          <a:fillRef idx="0">
+            <a:schemeClr val="accent1"/>
+          </a:fillRef>
+          <a:effectRef idx="0">
+            <a:schemeClr val="accent1"/>
+          </a:effectRef>
+          <a:fontRef idx="minor">
+            <a:schemeClr val="tx1"/>
+          </a:fontRef>
+        </p:style>
+      </p:cxnSp>
+      <p:sp>
+        <p:nvSpPr>
           <p:cNvPr id="2" name="Título 1">
             <a:extLst>
               <a:ext uri="{FF2B5EF4-FFF2-40B4-BE49-F238E27FC236}">
-                <a16:creationId xmlns:a16="http://schemas.microsoft.com/office/drawing/2014/main" xmlns="" id="{E3DE9979-F168-4A62-B21E-984AD0029B5F}"/>
+                <a16:creationId xmlns:a16="http://schemas.microsoft.com/office/drawing/2014/main" id="{E3DE9979-F168-4A62-B21E-984AD0029B5F}"/>
               </a:ext>
             </a:extLst>
           </p:cNvPr>
@@ -10076,7 +11840,12 @@
             <p:ph type="title"/>
           </p:nvPr>
         </p:nvSpPr>
-        <p:spPr/>
+        <p:spPr>
+          <a:xfrm>
+            <a:off x="539739" y="410820"/>
+            <a:ext cx="5283294" cy="836183"/>
+          </a:xfrm>
+        </p:spPr>
         <p:txBody>
           <a:bodyPr/>
           <a:lstStyle/>
@@ -10094,7 +11863,7 @@
           <p:cNvPr id="2050" name="Picture 2" descr="https://cdn.discordapp.com/attachments/501033052735143939/506254765739474995/Gestor_de_dieta.png">
             <a:extLst>
               <a:ext uri="{FF2B5EF4-FFF2-40B4-BE49-F238E27FC236}">
-                <a16:creationId xmlns:a16="http://schemas.microsoft.com/office/drawing/2014/main" xmlns="" id="{18194EDD-0659-4C6E-BDF0-BE8C030E2B6C}"/>
+                <a16:creationId xmlns:a16="http://schemas.microsoft.com/office/drawing/2014/main" id="{18194EDD-0659-4C6E-BDF0-BE8C030E2B6C}"/>
               </a:ext>
             </a:extLst>
           </p:cNvPr>
@@ -10148,7 +11917,7 @@
           <p:cNvPr id="4" name="Picture 2" descr="https://cdn.discordapp.com/attachments/501033052735143939/506254778196819979/Adicionar_ementa.png">
             <a:extLst>
               <a:ext uri="{FF2B5EF4-FFF2-40B4-BE49-F238E27FC236}">
-                <a16:creationId xmlns:a16="http://schemas.microsoft.com/office/drawing/2014/main" xmlns="" id="{397CBE93-4456-4CD0-B3C7-5596F751A148}"/>
+                <a16:creationId xmlns:a16="http://schemas.microsoft.com/office/drawing/2014/main" id="{397CBE93-4456-4CD0-B3C7-5596F751A148}"/>
               </a:ext>
             </a:extLst>
           </p:cNvPr>
@@ -10200,7 +11969,7 @@
           <p:cNvPr id="5" name="Picture 2" descr="https://cdn.discordapp.com/attachments/501033052735143939/506254778691616772/Todas_as_ementas.png">
             <a:extLst>
               <a:ext uri="{FF2B5EF4-FFF2-40B4-BE49-F238E27FC236}">
-                <a16:creationId xmlns:a16="http://schemas.microsoft.com/office/drawing/2014/main" xmlns="" id="{9DFF32F4-6BE8-46A7-B3F3-163724903404}"/>
+                <a16:creationId xmlns:a16="http://schemas.microsoft.com/office/drawing/2014/main" id="{9DFF32F4-6BE8-46A7-B3F3-163724903404}"/>
               </a:ext>
             </a:extLst>
           </p:cNvPr>
@@ -10252,7 +12021,7 @@
           <p:cNvPr id="6" name="Picture 2" descr="https://media.discordapp.net/attachments/501033052735143939/506254781673635900/Dieta_c_menu.png?width=377&amp;height=670">
             <a:extLst>
               <a:ext uri="{FF2B5EF4-FFF2-40B4-BE49-F238E27FC236}">
-                <a16:creationId xmlns:a16="http://schemas.microsoft.com/office/drawing/2014/main" xmlns="" id="{479D22E0-4780-4FC7-BC73-B3E4EC06D861}"/>
+                <a16:creationId xmlns:a16="http://schemas.microsoft.com/office/drawing/2014/main" id="{479D22E0-4780-4FC7-BC73-B3E4EC06D861}"/>
               </a:ext>
             </a:extLst>
           </p:cNvPr>
@@ -10413,7 +12182,7 @@
         </p:nvSpPr>
         <p:spPr>
           <a:xfrm>
-            <a:off x="9436084" y="5860401"/>
+            <a:off x="9436084" y="5818361"/>
             <a:ext cx="1370824" cy="276999"/>
           </a:xfrm>
           <a:prstGeom prst="rect">
@@ -10438,6 +12207,35 @@
               </a:rPr>
               <a:t>(adicionar ementa)</a:t>
             </a:r>
+          </a:p>
+        </p:txBody>
+      </p:sp>
+      <p:sp>
+        <p:nvSpPr>
+          <p:cNvPr id="7" name="Marcador de Posição do Número do Diapositivo 6">
+            <a:extLst>
+              <a:ext uri="{FF2B5EF4-FFF2-40B4-BE49-F238E27FC236}">
+                <a16:creationId xmlns:a16="http://schemas.microsoft.com/office/drawing/2014/main" id="{C2FBDD14-66DE-4247-B4A7-E690A30E955D}"/>
+              </a:ext>
+            </a:extLst>
+          </p:cNvPr>
+          <p:cNvSpPr>
+            <a:spLocks noGrp="1"/>
+          </p:cNvSpPr>
+          <p:nvPr>
+            <p:ph type="sldNum" sz="quarter" idx="12"/>
+          </p:nvPr>
+        </p:nvSpPr>
+        <p:spPr/>
+        <p:txBody>
+          <a:bodyPr/>
+          <a:lstStyle/>
+          <a:p>
+            <a:fld id="{53E772C5-4D62-40D5-ADDC-ACB024CB723F}" type="slidenum">
+              <a:rPr lang="pt-PT" smtClean="0"/>
+              <a:t>9</a:t>
+            </a:fld>
+            <a:endParaRPr lang="pt-PT"/>
           </a:p>
         </p:txBody>
       </p:sp>
@@ -10735,4 +12533,299 @@
     </a:ext>
   </a:extLst>
 </a:theme>
+</file>
+
+<file path=ppt/theme/theme2.xml><?xml version="1.0" encoding="utf-8"?>
+<a:theme xmlns:a="http://schemas.openxmlformats.org/drawingml/2006/main" name="Tema do Office">
+  <a:themeElements>
+    <a:clrScheme name="Office">
+      <a:dk1>
+        <a:sysClr val="windowText" lastClr="000000"/>
+      </a:dk1>
+      <a:lt1>
+        <a:sysClr val="window" lastClr="FFFFFF"/>
+      </a:lt1>
+      <a:dk2>
+        <a:srgbClr val="44546A"/>
+      </a:dk2>
+      <a:lt2>
+        <a:srgbClr val="E7E6E6"/>
+      </a:lt2>
+      <a:accent1>
+        <a:srgbClr val="4472C4"/>
+      </a:accent1>
+      <a:accent2>
+        <a:srgbClr val="ED7D31"/>
+      </a:accent2>
+      <a:accent3>
+        <a:srgbClr val="A5A5A5"/>
+      </a:accent3>
+      <a:accent4>
+        <a:srgbClr val="FFC000"/>
+      </a:accent4>
+      <a:accent5>
+        <a:srgbClr val="5B9BD5"/>
+      </a:accent5>
+      <a:accent6>
+        <a:srgbClr val="70AD47"/>
+      </a:accent6>
+      <a:hlink>
+        <a:srgbClr val="0563C1"/>
+      </a:hlink>
+      <a:folHlink>
+        <a:srgbClr val="954F72"/>
+      </a:folHlink>
+    </a:clrScheme>
+    <a:fontScheme name="Office">
+      <a:majorFont>
+        <a:latin typeface="Calibri Light" panose="020F0302020204030204"/>
+        <a:ea typeface=""/>
+        <a:cs typeface=""/>
+        <a:font script="Jpan" typeface="游ゴシック Light"/>
+        <a:font script="Hang" typeface="맑은 고딕"/>
+        <a:font script="Hans" typeface="等线 Light"/>
+        <a:font script="Hant" typeface="新細明體"/>
+        <a:font script="Arab" typeface="Times New Roman"/>
+        <a:font script="Hebr" typeface="Times New Roman"/>
+        <a:font script="Thai" typeface="Angsana New"/>
+        <a:font script="Ethi" typeface="Nyala"/>
+        <a:font script="Beng" typeface="Vrinda"/>
+        <a:font script="Gujr" typeface="Shruti"/>
+        <a:font script="Khmr" typeface="MoolBoran"/>
+        <a:font script="Knda" typeface="Tunga"/>
+        <a:font script="Guru" typeface="Raavi"/>
+        <a:font script="Cans" typeface="Euphemia"/>
+        <a:font script="Cher" typeface="Plantagenet Cherokee"/>
+        <a:font script="Yiii" typeface="Microsoft Yi Baiti"/>
+        <a:font script="Tibt" typeface="Microsoft Himalaya"/>
+        <a:font script="Thaa" typeface="MV Boli"/>
+        <a:font script="Deva" typeface="Mangal"/>
+        <a:font script="Telu" typeface="Gautami"/>
+        <a:font script="Taml" typeface="Latha"/>
+        <a:font script="Syrc" typeface="Estrangelo Edessa"/>
+        <a:font script="Orya" typeface="Kalinga"/>
+        <a:font script="Mlym" typeface="Kartika"/>
+        <a:font script="Laoo" typeface="DokChampa"/>
+        <a:font script="Sinh" typeface="Iskoola Pota"/>
+        <a:font script="Mong" typeface="Mongolian Baiti"/>
+        <a:font script="Viet" typeface="Times New Roman"/>
+        <a:font script="Uigh" typeface="Microsoft Uighur"/>
+        <a:font script="Geor" typeface="Sylfaen"/>
+        <a:font script="Armn" typeface="Arial"/>
+        <a:font script="Bugi" typeface="Leelawadee UI"/>
+        <a:font script="Bopo" typeface="Microsoft JhengHei"/>
+        <a:font script="Java" typeface="Javanese Text"/>
+        <a:font script="Lisu" typeface="Segoe UI"/>
+        <a:font script="Mymr" typeface="Myanmar Text"/>
+        <a:font script="Nkoo" typeface="Ebrima"/>
+        <a:font script="Olck" typeface="Nirmala UI"/>
+        <a:font script="Osma" typeface="Ebrima"/>
+        <a:font script="Phag" typeface="Phagspa"/>
+        <a:font script="Syrn" typeface="Estrangelo Edessa"/>
+        <a:font script="Syrj" typeface="Estrangelo Edessa"/>
+        <a:font script="Syre" typeface="Estrangelo Edessa"/>
+        <a:font script="Sora" typeface="Nirmala UI"/>
+        <a:font script="Tale" typeface="Microsoft Tai Le"/>
+        <a:font script="Talu" typeface="Microsoft New Tai Lue"/>
+        <a:font script="Tfng" typeface="Ebrima"/>
+      </a:majorFont>
+      <a:minorFont>
+        <a:latin typeface="Calibri" panose="020F0502020204030204"/>
+        <a:ea typeface=""/>
+        <a:cs typeface=""/>
+        <a:font script="Jpan" typeface="游ゴシック"/>
+        <a:font script="Hang" typeface="맑은 고딕"/>
+        <a:font script="Hans" typeface="等线"/>
+        <a:font script="Hant" typeface="新細明體"/>
+        <a:font script="Arab" typeface="Arial"/>
+        <a:font script="Hebr" typeface="Arial"/>
+        <a:font script="Thai" typeface="Cordia New"/>
+        <a:font script="Ethi" typeface="Nyala"/>
+        <a:font script="Beng" typeface="Vrinda"/>
+        <a:font script="Gujr" typeface="Shruti"/>
+        <a:font script="Khmr" typeface="DaunPenh"/>
+        <a:font script="Knda" typeface="Tunga"/>
+        <a:font script="Guru" typeface="Raavi"/>
+        <a:font script="Cans" typeface="Euphemia"/>
+        <a:font script="Cher" typeface="Plantagenet Cherokee"/>
+        <a:font script="Yiii" typeface="Microsoft Yi Baiti"/>
+        <a:font script="Tibt" typeface="Microsoft Himalaya"/>
+        <a:font script="Thaa" typeface="MV Boli"/>
+        <a:font script="Deva" typeface="Mangal"/>
+        <a:font script="Telu" typeface="Gautami"/>
+        <a:font script="Taml" typeface="Latha"/>
+        <a:font script="Syrc" typeface="Estrangelo Edessa"/>
+        <a:font script="Orya" typeface="Kalinga"/>
+        <a:font script="Mlym" typeface="Kartika"/>
+        <a:font script="Laoo" typeface="DokChampa"/>
+        <a:font script="Sinh" typeface="Iskoola Pota"/>
+        <a:font script="Mong" typeface="Mongolian Baiti"/>
+        <a:font script="Viet" typeface="Arial"/>
+        <a:font script="Uigh" typeface="Microsoft Uighur"/>
+        <a:font script="Geor" typeface="Sylfaen"/>
+        <a:font script="Armn" typeface="Arial"/>
+        <a:font script="Bugi" typeface="Leelawadee UI"/>
+        <a:font script="Bopo" typeface="Microsoft JhengHei"/>
+        <a:font script="Java" typeface="Javanese Text"/>
+        <a:font script="Lisu" typeface="Segoe UI"/>
+        <a:font script="Mymr" typeface="Myanmar Text"/>
+        <a:font script="Nkoo" typeface="Ebrima"/>
+        <a:font script="Olck" typeface="Nirmala UI"/>
+        <a:font script="Osma" typeface="Ebrima"/>
+        <a:font script="Phag" typeface="Phagspa"/>
+        <a:font script="Syrn" typeface="Estrangelo Edessa"/>
+        <a:font script="Syrj" typeface="Estrangelo Edessa"/>
+        <a:font script="Syre" typeface="Estrangelo Edessa"/>
+        <a:font script="Sora" typeface="Nirmala UI"/>
+        <a:font script="Tale" typeface="Microsoft Tai Le"/>
+        <a:font script="Talu" typeface="Microsoft New Tai Lue"/>
+        <a:font script="Tfng" typeface="Ebrima"/>
+      </a:minorFont>
+    </a:fontScheme>
+    <a:fmtScheme name="Office">
+      <a:fillStyleLst>
+        <a:solidFill>
+          <a:schemeClr val="phClr"/>
+        </a:solidFill>
+        <a:gradFill rotWithShape="1">
+          <a:gsLst>
+            <a:gs pos="0">
+              <a:schemeClr val="phClr">
+                <a:lumMod val="110000"/>
+                <a:satMod val="105000"/>
+                <a:tint val="67000"/>
+              </a:schemeClr>
+            </a:gs>
+            <a:gs pos="50000">
+              <a:schemeClr val="phClr">
+                <a:lumMod val="105000"/>
+                <a:satMod val="103000"/>
+                <a:tint val="73000"/>
+              </a:schemeClr>
+            </a:gs>
+            <a:gs pos="100000">
+              <a:schemeClr val="phClr">
+                <a:lumMod val="105000"/>
+                <a:satMod val="109000"/>
+                <a:tint val="81000"/>
+              </a:schemeClr>
+            </a:gs>
+          </a:gsLst>
+          <a:lin ang="5400000" scaled="0"/>
+        </a:gradFill>
+        <a:gradFill rotWithShape="1">
+          <a:gsLst>
+            <a:gs pos="0">
+              <a:schemeClr val="phClr">
+                <a:satMod val="103000"/>
+                <a:lumMod val="102000"/>
+                <a:tint val="94000"/>
+              </a:schemeClr>
+            </a:gs>
+            <a:gs pos="50000">
+              <a:schemeClr val="phClr">
+                <a:satMod val="110000"/>
+                <a:lumMod val="100000"/>
+                <a:shade val="100000"/>
+              </a:schemeClr>
+            </a:gs>
+            <a:gs pos="100000">
+              <a:schemeClr val="phClr">
+                <a:lumMod val="99000"/>
+                <a:satMod val="120000"/>
+                <a:shade val="78000"/>
+              </a:schemeClr>
+            </a:gs>
+          </a:gsLst>
+          <a:lin ang="5400000" scaled="0"/>
+        </a:gradFill>
+      </a:fillStyleLst>
+      <a:lnStyleLst>
+        <a:ln w="6350" cap="flat" cmpd="sng" algn="ctr">
+          <a:solidFill>
+            <a:schemeClr val="phClr"/>
+          </a:solidFill>
+          <a:prstDash val="solid"/>
+          <a:miter lim="800000"/>
+        </a:ln>
+        <a:ln w="12700" cap="flat" cmpd="sng" algn="ctr">
+          <a:solidFill>
+            <a:schemeClr val="phClr"/>
+          </a:solidFill>
+          <a:prstDash val="solid"/>
+          <a:miter lim="800000"/>
+        </a:ln>
+        <a:ln w="19050" cap="flat" cmpd="sng" algn="ctr">
+          <a:solidFill>
+            <a:schemeClr val="phClr"/>
+          </a:solidFill>
+          <a:prstDash val="solid"/>
+          <a:miter lim="800000"/>
+        </a:ln>
+      </a:lnStyleLst>
+      <a:effectStyleLst>
+        <a:effectStyle>
+          <a:effectLst/>
+        </a:effectStyle>
+        <a:effectStyle>
+          <a:effectLst/>
+        </a:effectStyle>
+        <a:effectStyle>
+          <a:effectLst>
+            <a:outerShdw blurRad="57150" dist="19050" dir="5400000" algn="ctr" rotWithShape="0">
+              <a:srgbClr val="000000">
+                <a:alpha val="63000"/>
+              </a:srgbClr>
+            </a:outerShdw>
+          </a:effectLst>
+        </a:effectStyle>
+      </a:effectStyleLst>
+      <a:bgFillStyleLst>
+        <a:solidFill>
+          <a:schemeClr val="phClr"/>
+        </a:solidFill>
+        <a:solidFill>
+          <a:schemeClr val="phClr">
+            <a:tint val="95000"/>
+            <a:satMod val="170000"/>
+          </a:schemeClr>
+        </a:solidFill>
+        <a:gradFill rotWithShape="1">
+          <a:gsLst>
+            <a:gs pos="0">
+              <a:schemeClr val="phClr">
+                <a:tint val="93000"/>
+                <a:satMod val="150000"/>
+                <a:shade val="98000"/>
+                <a:lumMod val="102000"/>
+              </a:schemeClr>
+            </a:gs>
+            <a:gs pos="50000">
+              <a:schemeClr val="phClr">
+                <a:tint val="98000"/>
+                <a:satMod val="130000"/>
+                <a:shade val="90000"/>
+                <a:lumMod val="103000"/>
+              </a:schemeClr>
+            </a:gs>
+            <a:gs pos="100000">
+              <a:schemeClr val="phClr">
+                <a:shade val="63000"/>
+                <a:satMod val="120000"/>
+              </a:schemeClr>
+            </a:gs>
+          </a:gsLst>
+          <a:lin ang="5400000" scaled="0"/>
+        </a:gradFill>
+      </a:bgFillStyleLst>
+    </a:fmtScheme>
+  </a:themeElements>
+  <a:objectDefaults/>
+  <a:extraClrSchemeLst/>
+  <a:extLst>
+    <a:ext uri="{05A4C25C-085E-4340-85A3-A5531E510DB2}">
+      <thm15:themeFamily xmlns:thm15="http://schemas.microsoft.com/office/thememl/2012/main" name="Office Theme" id="{62F939B6-93AF-4DB8-9C6B-D6C7DFDC589F}" vid="{4A3C46E8-61CC-4603-A589-7422A47A8E4A}"/>
+    </a:ext>
+  </a:extLst>
+</a:theme>
 </file>